--- a/pitching.pptx
+++ b/pitching.pptx
@@ -5,7 +5,7 @@
     <p:sldMasterId id="2147483692" r:id="rId1"/>
   </p:sldMasterIdLst>
   <p:notesMasterIdLst>
-    <p:notesMasterId r:id="rId13"/>
+    <p:notesMasterId r:id="rId14"/>
   </p:notesMasterIdLst>
   <p:sldIdLst>
     <p:sldId id="256" r:id="rId2"/>
@@ -16,9 +16,10 @@
     <p:sldId id="261" r:id="rId7"/>
     <p:sldId id="262" r:id="rId8"/>
     <p:sldId id="263" r:id="rId9"/>
-    <p:sldId id="265" r:id="rId10"/>
-    <p:sldId id="266" r:id="rId11"/>
-    <p:sldId id="267" r:id="rId12"/>
+    <p:sldId id="269" r:id="rId10"/>
+    <p:sldId id="265" r:id="rId11"/>
+    <p:sldId id="266" r:id="rId12"/>
+    <p:sldId id="267" r:id="rId13"/>
   </p:sldIdLst>
   <p:sldSz cx="9144000" cy="5143500" type="screen16x9"/>
   <p:notesSz cx="6858000" cy="9144000"/>
@@ -277,7 +278,7 @@
     <p1510:client id="{1FEFCE93-D0FD-5DED-B57A-0FAFC20714BB}" v="61" dt="2021-07-30T06:14:17.986"/>
     <p1510:client id="{59BC9D02-FC42-2DD5-68B8-A016D371128B}" v="26" dt="2021-07-30T20:21:47.791"/>
     <p1510:client id="{6E46DA49-F48D-E942-6CE8-20F11DD9989E}" v="1012" dt="2021-07-29T08:04:08.641"/>
-    <p1510:client id="{78BE8B6D-3040-5231-C4F6-D517EEDB50BD}" v="95" dt="2021-08-01T11:31:22.027"/>
+    <p1510:client id="{78BE8B6D-3040-5231-C4F6-D517EEDB50BD}" v="318" dt="2021-08-01T12:05:34.642"/>
     <p1510:client id="{95722E9B-2394-5857-C347-59A2C7C51FEE}" v="29" dt="2021-07-30T06:20:44.624"/>
     <p1510:client id="{BDA0E1EC-2FDD-4242-AC8F-F63830CF8868}" v="540" dt="2021-07-28T17:13:23.738"/>
     <p1510:client id="{CE9E8D9E-E6F9-48D3-4C2E-2B486FA876CA}" v="237" dt="2021-07-30T04:44:35.993"/>
@@ -22674,7 +22675,7 @@
         </p:nvSpPr>
         <p:spPr>
           <a:xfrm>
-            <a:off x="3490721" y="950218"/>
+            <a:off x="3922831" y="2629870"/>
             <a:ext cx="5106271" cy="3396343"/>
           </a:xfrm>
           <a:prstGeom prst="rect">
@@ -22709,84 +22710,235 @@
       </p:sp>
       <p:sp>
         <p:nvSpPr>
-          <p:cNvPr id="55" name="Google Shape;55;p13"/>
-          <p:cNvSpPr txBox="1">
-            <a:spLocks noGrp="1"/>
-          </p:cNvSpPr>
-          <p:nvPr>
-            <p:ph type="subTitle" idx="1"/>
-          </p:nvPr>
+          <p:cNvPr id="2" name="TextBox 1">
+            <a:extLst>
+              <a:ext uri="{FF2B5EF4-FFF2-40B4-BE49-F238E27FC236}">
+                <a16:creationId xmlns:a16="http://schemas.microsoft.com/office/drawing/2014/main" id="{52F325C4-66F4-44A5-BC1A-0ECC303E05B7}"/>
+              </a:ext>
+            </a:extLst>
+          </p:cNvPr>
+          <p:cNvSpPr txBox="1"/>
+          <p:nvPr/>
         </p:nvSpPr>
         <p:spPr>
           <a:xfrm>
-            <a:off x="866216" y="950218"/>
-            <a:ext cx="2178093" cy="3396343"/>
+            <a:off x="619018" y="326847"/>
+            <a:ext cx="7739007" cy="769441"/>
           </a:xfrm>
           <a:prstGeom prst="rect">
             <a:avLst/>
           </a:prstGeom>
+          <a:noFill/>
         </p:spPr>
         <p:txBody>
-          <a:bodyPr spcFirstLastPara="1" lIns="91425" tIns="91425" rIns="91425" bIns="91425" anchor="ctr" anchorCtr="0">
-            <a:normAutofit/>
+          <a:bodyPr rot="0" spcFirstLastPara="0" vertOverflow="overflow" horzOverflow="overflow" vert="horz" wrap="square" lIns="91440" tIns="45720" rIns="91440" bIns="45720" numCol="1" spcCol="0" rtlCol="0" fromWordArt="0" anchor="t" anchorCtr="0" forceAA="0" compatLnSpc="1">
+            <a:prstTxWarp prst="textNoShape">
+              <a:avLst/>
+            </a:prstTxWarp>
+            <a:spAutoFit/>
           </a:bodyPr>
           <a:lstStyle/>
           <a:p>
-            <a:pPr marL="0" indent="0" algn="r"/>
+            <a:r>
+              <a:rPr lang="en-US" sz="4400">
+                <a:solidFill>
+                  <a:schemeClr val="tx1">
+                    <a:lumMod val="95000"/>
+                  </a:schemeClr>
+                </a:solidFill>
+                <a:latin typeface="Century Gothic"/>
+              </a:rPr>
+              <a:t>Name of Individual or </a:t>
+            </a:r>
+            <a:r>
+              <a:rPr lang="en-US" sz="4400" dirty="0">
+                <a:solidFill>
+                  <a:schemeClr val="tx1">
+                    <a:lumMod val="95000"/>
+                  </a:schemeClr>
+                </a:solidFill>
+                <a:latin typeface="Century Gothic"/>
+              </a:rPr>
+              <a:t>Team</a:t>
+            </a:r>
+          </a:p>
+        </p:txBody>
+      </p:sp>
+      <p:sp>
+        <p:nvSpPr>
+          <p:cNvPr id="3" name="TextBox 2">
+            <a:extLst>
+              <a:ext uri="{FF2B5EF4-FFF2-40B4-BE49-F238E27FC236}">
+                <a16:creationId xmlns:a16="http://schemas.microsoft.com/office/drawing/2014/main" id="{9B2D05D3-DD07-4260-B0E7-2A7468134370}"/>
+              </a:ext>
+            </a:extLst>
+          </p:cNvPr>
+          <p:cNvSpPr txBox="1"/>
+          <p:nvPr/>
+        </p:nvSpPr>
+        <p:spPr>
+          <a:xfrm>
+            <a:off x="3318881" y="2573144"/>
+            <a:ext cx="2743200" cy="323165"/>
+          </a:xfrm>
+          <a:prstGeom prst="rect">
+            <a:avLst/>
+          </a:prstGeom>
+          <a:noFill/>
+        </p:spPr>
+        <p:txBody>
+          <a:bodyPr rot="0" spcFirstLastPara="0" vertOverflow="overflow" horzOverflow="overflow" vert="horz" wrap="square" lIns="91440" tIns="45720" rIns="91440" bIns="45720" numCol="1" spcCol="0" rtlCol="0" fromWordArt="0" anchor="t" anchorCtr="0" forceAA="0" compatLnSpc="1">
+            <a:prstTxWarp prst="textNoShape">
+              <a:avLst/>
+            </a:prstTxWarp>
+            <a:spAutoFit/>
+          </a:bodyPr>
+          <a:lstStyle/>
+          <a:p>
+            <a:pPr algn="ctr"/>
+            <a:r>
+              <a:rPr lang="en-GB" sz="1500">
+                <a:solidFill>
+                  <a:schemeClr val="lt1"/>
+                </a:solidFill>
+                <a:latin typeface="Century Gothic"/>
+              </a:rPr>
+              <a:t>ATP Code  </a:t>
+            </a:r>
+            <a:r>
+              <a:rPr lang="en-GB" sz="1500" b="1" cap="all">
+                <a:solidFill>
+                  <a:schemeClr val="tx2"/>
+                </a:solidFill>
+                <a:latin typeface="Century Gothic"/>
+              </a:rPr>
+              <a:t>168210550</a:t>
+            </a:r>
+            <a:endParaRPr lang="en-US">
+              <a:solidFill>
+                <a:schemeClr val="tx2"/>
+              </a:solidFill>
+              <a:latin typeface="Century Gothic"/>
+            </a:endParaRPr>
+          </a:p>
+        </p:txBody>
+      </p:sp>
+      <p:sp>
+        <p:nvSpPr>
+          <p:cNvPr id="4" name="TextBox 3">
+            <a:extLst>
+              <a:ext uri="{FF2B5EF4-FFF2-40B4-BE49-F238E27FC236}">
+                <a16:creationId xmlns:a16="http://schemas.microsoft.com/office/drawing/2014/main" id="{94690B31-7368-4D4D-B4E2-48F016CA8314}"/>
+              </a:ext>
+            </a:extLst>
+          </p:cNvPr>
+          <p:cNvSpPr txBox="1"/>
+          <p:nvPr/>
+        </p:nvSpPr>
+        <p:spPr>
+          <a:xfrm>
+            <a:off x="2928588" y="2064367"/>
+            <a:ext cx="3718930" cy="307777"/>
+          </a:xfrm>
+          <a:prstGeom prst="rect">
+            <a:avLst/>
+          </a:prstGeom>
+          <a:noFill/>
+        </p:spPr>
+        <p:txBody>
+          <a:bodyPr rot="0" spcFirstLastPara="0" vertOverflow="overflow" horzOverflow="overflow" vert="horz" wrap="square" lIns="91440" tIns="45720" rIns="91440" bIns="45720" numCol="1" spcCol="0" rtlCol="0" fromWordArt="0" anchor="t" anchorCtr="0" forceAA="0" compatLnSpc="1">
+            <a:prstTxWarp prst="textNoShape">
+              <a:avLst/>
+            </a:prstTxWarp>
+            <a:spAutoFit/>
+          </a:bodyPr>
+          <a:lstStyle/>
+          <a:p>
             <a:r>
               <a:rPr lang="en-GB">
                 <a:solidFill>
+                  <a:schemeClr val="tx1">
+                    <a:lumMod val="95000"/>
+                  </a:schemeClr>
+                </a:solidFill>
+              </a:rPr>
+              <a:t>Name of Individual</a:t>
+            </a:r>
+            <a:r>
+              <a:rPr lang="en-GB">
+                <a:solidFill>
+                  <a:schemeClr val="tx1">
+                    <a:lumMod val="95000"/>
+                  </a:schemeClr>
+                </a:solidFill>
+                <a:latin typeface="Century Gothic"/>
+              </a:rPr>
+              <a:t>:  </a:t>
+            </a:r>
+            <a:r>
+              <a:rPr lang="en-GB" cap="all">
+                <a:solidFill>
                   <a:schemeClr val="tx2"/>
                 </a:solidFill>
+                <a:latin typeface="Century Gothic"/>
               </a:rPr>
-              <a:t>SAURABH SAGAR</a:t>
+              <a:t>SAURABH SAGAR</a:t>
             </a:r>
-          </a:p>
-          <a:p>
-            <a:pPr marL="0" lvl="0" indent="0" algn="r" rtl="0">
-              <a:spcBef>
-                <a:spcPts val="0"/>
-              </a:spcBef>
-              <a:spcAft>
-                <a:spcPts val="0"/>
-              </a:spcAft>
-              <a:buNone/>
-            </a:pPr>
-            <a:endParaRPr lang="en-GB">
+            <a:endParaRPr lang="en-US">
               <a:solidFill>
                 <a:schemeClr val="tx2"/>
               </a:solidFill>
+              <a:latin typeface="Century Gothic"/>
             </a:endParaRPr>
           </a:p>
+        </p:txBody>
+      </p:sp>
+      <p:sp>
+        <p:nvSpPr>
+          <p:cNvPr id="9" name="TextBox 8">
+            <a:extLst>
+              <a:ext uri="{FF2B5EF4-FFF2-40B4-BE49-F238E27FC236}">
+                <a16:creationId xmlns:a16="http://schemas.microsoft.com/office/drawing/2014/main" id="{80CAAE49-2E48-40BB-92A0-223EE62CAFD9}"/>
+              </a:ext>
+            </a:extLst>
+          </p:cNvPr>
+          <p:cNvSpPr txBox="1"/>
+          <p:nvPr/>
+        </p:nvSpPr>
+        <p:spPr>
+          <a:xfrm>
+            <a:off x="2221183" y="4026286"/>
+            <a:ext cx="2743199" cy="338554"/>
+          </a:xfrm>
+          <a:prstGeom prst="rect">
+            <a:avLst/>
+          </a:prstGeom>
+          <a:noFill/>
+        </p:spPr>
+        <p:txBody>
+          <a:bodyPr rot="0" spcFirstLastPara="0" vertOverflow="overflow" horzOverflow="overflow" vert="horz" wrap="square" lIns="91440" tIns="45720" rIns="91440" bIns="45720" numCol="1" spcCol="0" rtlCol="0" fromWordArt="0" anchor="t" anchorCtr="0" forceAA="0" compatLnSpc="1">
+            <a:prstTxWarp prst="textNoShape">
+              <a:avLst/>
+            </a:prstTxWarp>
+            <a:spAutoFit/>
+          </a:bodyPr>
+          <a:lstStyle/>
           <a:p>
-            <a:pPr algn="r"/>
             <a:r>
-              <a:rPr lang="en-GB" b="1">
+              <a:rPr lang="en-GB" sz="1600">
                 <a:solidFill>
-                  <a:schemeClr val="tx2"/>
+                  <a:schemeClr val="tx1">
+                    <a:lumMod val="95000"/>
+                  </a:schemeClr>
                 </a:solidFill>
               </a:rPr>
-              <a:t>168210550</a:t>
+              <a:t>Business Name:</a:t>
             </a:r>
-            <a:endParaRPr lang="en-GB">
+            <a:endParaRPr lang="en-US" sz="1600">
               <a:solidFill>
-                <a:schemeClr val="tx2"/>
-              </a:solidFill>
-            </a:endParaRPr>
-          </a:p>
-          <a:p>
-            <a:pPr marL="0" lvl="0" indent="0" algn="r">
-              <a:spcBef>
-                <a:spcPts val="0"/>
-              </a:spcBef>
-              <a:spcAft>
-                <a:spcPts val="0"/>
-              </a:spcAft>
-              <a:buNone/>
-            </a:pPr>
-            <a:endParaRPr lang="en-GB">
-              <a:solidFill>
-                <a:schemeClr val="tx2"/>
+                <a:schemeClr val="tx1">
+                  <a:lumMod val="95000"/>
+                </a:schemeClr>
               </a:solidFill>
             </a:endParaRPr>
           </a:p>
@@ -22801,6 +22953,436 @@
 </file>
 
 <file path=ppt/slides/slide10.xml><?xml version="1.0" encoding="utf-8"?>
+<p:sld xmlns:a="http://schemas.openxmlformats.org/drawingml/2006/main" xmlns:r="http://schemas.openxmlformats.org/officeDocument/2006/relationships" xmlns:p="http://schemas.openxmlformats.org/presentationml/2006/main">
+  <p:cSld>
+    <p:bg>
+      <p:bgPr>
+        <a:blipFill rotWithShape="1">
+          <a:blip r:embed="rId3">
+            <a:duotone>
+              <a:schemeClr val="bg2">
+                <a:shade val="69000"/>
+                <a:hueMod val="108000"/>
+                <a:satMod val="164000"/>
+                <a:lumMod val="74000"/>
+              </a:schemeClr>
+              <a:schemeClr val="bg2">
+                <a:tint val="96000"/>
+                <a:hueMod val="88000"/>
+                <a:satMod val="140000"/>
+                <a:lumMod val="132000"/>
+              </a:schemeClr>
+            </a:duotone>
+          </a:blip>
+          <a:stretch/>
+        </a:blipFill>
+        <a:effectLst/>
+      </p:bgPr>
+    </p:bg>
+    <p:spTree>
+      <p:nvGrpSpPr>
+        <p:cNvPr id="1" name="Shape 113"/>
+        <p:cNvGrpSpPr/>
+        <p:nvPr/>
+      </p:nvGrpSpPr>
+      <p:grpSpPr>
+        <a:xfrm>
+          <a:off x="0" y="0"/>
+          <a:ext cx="0" cy="0"/>
+          <a:chOff x="0" y="0"/>
+          <a:chExt cx="0" cy="0"/>
+        </a:xfrm>
+      </p:grpSpPr>
+      <p:pic>
+        <p:nvPicPr>
+          <p:cNvPr id="147" name="Picture 149">
+            <a:extLst>
+              <a:ext uri="{FF2B5EF4-FFF2-40B4-BE49-F238E27FC236}">
+                <a16:creationId xmlns:a16="http://schemas.microsoft.com/office/drawing/2014/main" id="{DF19BAF3-7E20-4B9D-B544-BABAEEA1FA75}"/>
+              </a:ext>
+              <a:ext uri="{C183D7F6-B498-43B3-948B-1728B52AA6E4}">
+                <adec:decorative xmlns:adec="http://schemas.microsoft.com/office/drawing/2017/decorative" val="1"/>
+              </a:ext>
+            </a:extLst>
+          </p:cNvPr>
+          <p:cNvPicPr>
+            <a:picLocks noGrp="1" noRot="1" noChangeAspect="1" noMove="1" noResize="1" noEditPoints="1" noAdjustHandles="1" noChangeArrowheads="1" noChangeShapeType="1" noCrop="1"/>
+          </p:cNvPicPr>
+          <p:nvPr>
+            <p:extLst>
+              <p:ext uri="{386F3935-93C4-4BCD-93E2-E3B085C9AB24}">
+                <p16:designElem xmlns:p16="http://schemas.microsoft.com/office/powerpoint/2015/main" val="1"/>
+              </p:ext>
+            </p:extLst>
+          </p:nvPr>
+        </p:nvPicPr>
+        <p:blipFill rotWithShape="1">
+          <a:blip r:embed="rId4">
+            <a:extLst>
+              <a:ext uri="{28A0092B-C50C-407E-A947-70E740481C1C}">
+                <a14:useLocalDpi xmlns:a14="http://schemas.microsoft.com/office/drawing/2010/main" val="0"/>
+              </a:ext>
+            </a:extLst>
+          </a:blip>
+          <a:srcRect l="3613"/>
+          <a:stretch/>
+        </p:blipFill>
+        <p:spPr>
+          <a:xfrm>
+            <a:off x="0" y="2002263"/>
+            <a:ext cx="3027759" cy="3141237"/>
+          </a:xfrm>
+          <a:prstGeom prst="rect">
+            <a:avLst/>
+          </a:prstGeom>
+        </p:spPr>
+      </p:pic>
+      <p:pic>
+        <p:nvPicPr>
+          <p:cNvPr id="148" name="Picture 151">
+            <a:extLst>
+              <a:ext uri="{FF2B5EF4-FFF2-40B4-BE49-F238E27FC236}">
+                <a16:creationId xmlns:a16="http://schemas.microsoft.com/office/drawing/2014/main" id="{950648F4-ABCD-4DF0-8641-76CFB2354721}"/>
+              </a:ext>
+              <a:ext uri="{C183D7F6-B498-43B3-948B-1728B52AA6E4}">
+                <adec:decorative xmlns:adec="http://schemas.microsoft.com/office/drawing/2017/decorative" val="1"/>
+              </a:ext>
+            </a:extLst>
+          </p:cNvPr>
+          <p:cNvPicPr>
+            <a:picLocks noGrp="1" noRot="1" noChangeAspect="1" noMove="1" noResize="1" noEditPoints="1" noAdjustHandles="1" noChangeArrowheads="1" noChangeShapeType="1" noCrop="1"/>
+          </p:cNvPicPr>
+          <p:nvPr>
+            <p:extLst>
+              <p:ext uri="{386F3935-93C4-4BCD-93E2-E3B085C9AB24}">
+                <p16:designElem xmlns:p16="http://schemas.microsoft.com/office/powerpoint/2015/main" val="1"/>
+              </p:ext>
+            </p:extLst>
+          </p:nvPr>
+        </p:nvPicPr>
+        <p:blipFill rotWithShape="1">
+          <a:blip r:embed="rId5">
+            <a:extLst>
+              <a:ext uri="{28A0092B-C50C-407E-A947-70E740481C1C}">
+                <a14:useLocalDpi xmlns:a14="http://schemas.microsoft.com/office/drawing/2010/main" val="0"/>
+              </a:ext>
+            </a:extLst>
+          </a:blip>
+          <a:srcRect l="35640"/>
+          <a:stretch/>
+        </p:blipFill>
+        <p:spPr>
+          <a:xfrm>
+            <a:off x="0" y="2169260"/>
+            <a:ext cx="1141809" cy="1774090"/>
+          </a:xfrm>
+          <a:prstGeom prst="rect">
+            <a:avLst/>
+          </a:prstGeom>
+        </p:spPr>
+      </p:pic>
+      <p:sp>
+        <p:nvSpPr>
+          <p:cNvPr id="149" name="Oval 153">
+            <a:extLst>
+              <a:ext uri="{FF2B5EF4-FFF2-40B4-BE49-F238E27FC236}">
+                <a16:creationId xmlns:a16="http://schemas.microsoft.com/office/drawing/2014/main" id="{989BE678-777B-482A-A616-FEDC47B162E5}"/>
+              </a:ext>
+              <a:ext uri="{C183D7F6-B498-43B3-948B-1728B52AA6E4}">
+                <adec:decorative xmlns:adec="http://schemas.microsoft.com/office/drawing/2017/decorative" val="1"/>
+              </a:ext>
+            </a:extLst>
+          </p:cNvPr>
+          <p:cNvSpPr>
+            <a:spLocks noGrp="1" noRot="1" noChangeAspect="1" noMove="1" noResize="1" noEditPoints="1" noAdjustHandles="1" noChangeArrowheads="1" noChangeShapeType="1" noTextEdit="1"/>
+          </p:cNvSpPr>
+          <p:nvPr>
+            <p:extLst>
+              <p:ext uri="{386F3935-93C4-4BCD-93E2-E3B085C9AB24}">
+                <p16:designElem xmlns:p16="http://schemas.microsoft.com/office/powerpoint/2015/main" val="1"/>
+              </p:ext>
+            </p:extLst>
+          </p:nvPr>
+        </p:nvSpPr>
+        <p:spPr>
+          <a:xfrm>
+            <a:off x="6456759" y="1257300"/>
+            <a:ext cx="2114550" cy="2114550"/>
+          </a:xfrm>
+          <a:prstGeom prst="ellipse">
+            <a:avLst/>
+          </a:prstGeom>
+          <a:gradFill flip="none" rotWithShape="1">
+            <a:gsLst>
+              <a:gs pos="0">
+                <a:schemeClr val="bg2">
+                  <a:lumMod val="60000"/>
+                  <a:lumOff val="40000"/>
+                  <a:alpha val="7000"/>
+                </a:schemeClr>
+              </a:gs>
+              <a:gs pos="69000">
+                <a:schemeClr val="bg2">
+                  <a:lumMod val="60000"/>
+                  <a:lumOff val="40000"/>
+                  <a:alpha val="0"/>
+                </a:schemeClr>
+              </a:gs>
+              <a:gs pos="36000">
+                <a:schemeClr val="bg2">
+                  <a:lumMod val="60000"/>
+                  <a:lumOff val="40000"/>
+                  <a:alpha val="6000"/>
+                </a:schemeClr>
+              </a:gs>
+            </a:gsLst>
+            <a:path path="circle">
+              <a:fillToRect l="50000" t="50000" r="50000" b="50000"/>
+            </a:path>
+            <a:tileRect/>
+          </a:gradFill>
+          <a:ln>
+            <a:noFill/>
+          </a:ln>
+          <a:effectLst/>
+        </p:spPr>
+        <p:style>
+          <a:lnRef idx="1">
+            <a:schemeClr val="accent1"/>
+          </a:lnRef>
+          <a:fillRef idx="3">
+            <a:schemeClr val="accent1"/>
+          </a:fillRef>
+          <a:effectRef idx="2">
+            <a:schemeClr val="accent1"/>
+          </a:effectRef>
+          <a:fontRef idx="minor">
+            <a:schemeClr val="lt1"/>
+          </a:fontRef>
+        </p:style>
+      </p:sp>
+      <p:pic>
+        <p:nvPicPr>
+          <p:cNvPr id="151" name="Picture 155">
+            <a:extLst>
+              <a:ext uri="{FF2B5EF4-FFF2-40B4-BE49-F238E27FC236}">
+                <a16:creationId xmlns:a16="http://schemas.microsoft.com/office/drawing/2014/main" id="{CF1EB4BD-9C7E-4AA3-9681-C7EB0DA6250B}"/>
+              </a:ext>
+              <a:ext uri="{C183D7F6-B498-43B3-948B-1728B52AA6E4}">
+                <adec:decorative xmlns:adec="http://schemas.microsoft.com/office/drawing/2017/decorative" val="1"/>
+              </a:ext>
+            </a:extLst>
+          </p:cNvPr>
+          <p:cNvPicPr>
+            <a:picLocks noGrp="1" noRot="1" noChangeAspect="1" noMove="1" noResize="1" noEditPoints="1" noAdjustHandles="1" noChangeArrowheads="1" noChangeShapeType="1" noCrop="1"/>
+          </p:cNvPicPr>
+          <p:nvPr>
+            <p:extLst>
+              <p:ext uri="{386F3935-93C4-4BCD-93E2-E3B085C9AB24}">
+                <p16:designElem xmlns:p16="http://schemas.microsoft.com/office/powerpoint/2015/main" val="1"/>
+              </p:ext>
+            </p:extLst>
+          </p:nvPr>
+        </p:nvPicPr>
+        <p:blipFill rotWithShape="1">
+          <a:blip r:embed="rId6">
+            <a:extLst>
+              <a:ext uri="{28A0092B-C50C-407E-A947-70E740481C1C}">
+                <a14:useLocalDpi xmlns:a14="http://schemas.microsoft.com/office/drawing/2010/main" val="0"/>
+              </a:ext>
+            </a:extLst>
+          </a:blip>
+          <a:srcRect t="28813"/>
+          <a:stretch/>
+        </p:blipFill>
+        <p:spPr>
+          <a:xfrm>
+            <a:off x="5999559" y="0"/>
+            <a:ext cx="1202540" cy="856055"/>
+          </a:xfrm>
+          <a:prstGeom prst="rect">
+            <a:avLst/>
+          </a:prstGeom>
+        </p:spPr>
+      </p:pic>
+      <p:pic>
+        <p:nvPicPr>
+          <p:cNvPr id="153" name="Picture 157">
+            <a:extLst>
+              <a:ext uri="{FF2B5EF4-FFF2-40B4-BE49-F238E27FC236}">
+                <a16:creationId xmlns:a16="http://schemas.microsoft.com/office/drawing/2014/main" id="{94AAE3AA-3759-4D28-B0EF-575F25A5146C}"/>
+              </a:ext>
+              <a:ext uri="{C183D7F6-B498-43B3-948B-1728B52AA6E4}">
+                <adec:decorative xmlns:adec="http://schemas.microsoft.com/office/drawing/2017/decorative" val="1"/>
+              </a:ext>
+            </a:extLst>
+          </p:cNvPr>
+          <p:cNvPicPr>
+            <a:picLocks noGrp="1" noRot="1" noChangeAspect="1" noMove="1" noResize="1" noEditPoints="1" noAdjustHandles="1" noChangeArrowheads="1" noChangeShapeType="1" noCrop="1"/>
+          </p:cNvPicPr>
+          <p:nvPr>
+            <p:extLst>
+              <p:ext uri="{386F3935-93C4-4BCD-93E2-E3B085C9AB24}">
+                <p16:designElem xmlns:p16="http://schemas.microsoft.com/office/powerpoint/2015/main" val="1"/>
+              </p:ext>
+            </p:extLst>
+          </p:nvPr>
+        </p:nvPicPr>
+        <p:blipFill rotWithShape="1">
+          <a:blip r:embed="rId7">
+            <a:extLst>
+              <a:ext uri="{28A0092B-C50C-407E-A947-70E740481C1C}">
+                <a14:useLocalDpi xmlns:a14="http://schemas.microsoft.com/office/drawing/2010/main" val="0"/>
+              </a:ext>
+            </a:extLst>
+          </a:blip>
+          <a:srcRect b="23320"/>
+          <a:stretch/>
+        </p:blipFill>
+        <p:spPr>
+          <a:xfrm>
+            <a:off x="6454408" y="4572000"/>
+            <a:ext cx="745301" cy="571500"/>
+          </a:xfrm>
+          <a:prstGeom prst="rect">
+            <a:avLst/>
+          </a:prstGeom>
+        </p:spPr>
+      </p:pic>
+      <p:sp>
+        <p:nvSpPr>
+          <p:cNvPr id="155" name="Rectangle 159">
+            <a:extLst>
+              <a:ext uri="{FF2B5EF4-FFF2-40B4-BE49-F238E27FC236}">
+                <a16:creationId xmlns:a16="http://schemas.microsoft.com/office/drawing/2014/main" id="{D28BE0C3-2102-4820-B88B-A448B1840D14}"/>
+              </a:ext>
+              <a:ext uri="{C183D7F6-B498-43B3-948B-1728B52AA6E4}">
+                <adec:decorative xmlns:adec="http://schemas.microsoft.com/office/drawing/2017/decorative" val="1"/>
+              </a:ext>
+            </a:extLst>
+          </p:cNvPr>
+          <p:cNvSpPr>
+            <a:spLocks noGrp="1" noRot="1" noChangeAspect="1" noMove="1" noResize="1" noEditPoints="1" noAdjustHandles="1" noChangeArrowheads="1" noChangeShapeType="1" noTextEdit="1"/>
+          </p:cNvSpPr>
+          <p:nvPr>
+            <p:extLst>
+              <p:ext uri="{386F3935-93C4-4BCD-93E2-E3B085C9AB24}">
+                <p16:designElem xmlns:p16="http://schemas.microsoft.com/office/powerpoint/2015/main" val="1"/>
+              </p:ext>
+            </p:extLst>
+          </p:nvPr>
+        </p:nvSpPr>
+        <p:spPr>
+          <a:xfrm>
+            <a:off x="7828359" y="0"/>
+            <a:ext cx="514350" cy="857250"/>
+          </a:xfrm>
+          <a:prstGeom prst="rect">
+            <a:avLst/>
+          </a:prstGeom>
+          <a:solidFill>
+            <a:schemeClr val="accent1"/>
+          </a:solidFill>
+          <a:ln>
+            <a:noFill/>
+          </a:ln>
+        </p:spPr>
+        <p:style>
+          <a:lnRef idx="1">
+            <a:schemeClr val="accent1"/>
+          </a:lnRef>
+          <a:fillRef idx="3">
+            <a:schemeClr val="accent1"/>
+          </a:fillRef>
+          <a:effectRef idx="2">
+            <a:schemeClr val="accent1"/>
+          </a:effectRef>
+          <a:fontRef idx="minor">
+            <a:schemeClr val="lt1"/>
+          </a:fontRef>
+        </p:style>
+      </p:sp>
+      <p:sp>
+        <p:nvSpPr>
+          <p:cNvPr id="114" name="Google Shape;114;p22"/>
+          <p:cNvSpPr txBox="1">
+            <a:spLocks noGrp="1"/>
+          </p:cNvSpPr>
+          <p:nvPr>
+            <p:ph type="title"/>
+          </p:nvPr>
+        </p:nvSpPr>
+        <p:spPr>
+          <a:xfrm>
+            <a:off x="486697" y="471949"/>
+            <a:ext cx="8096055" cy="862231"/>
+          </a:xfrm>
+          <a:prstGeom prst="rect">
+            <a:avLst/>
+          </a:prstGeom>
+        </p:spPr>
+        <p:txBody>
+          <a:bodyPr spcFirstLastPara="1" vert="horz" lIns="91440" tIns="45720" rIns="91440" bIns="45720" rtlCol="0" anchor="t" anchorCtr="0">
+            <a:normAutofit fontScale="90000"/>
+          </a:bodyPr>
+          <a:lstStyle/>
+          <a:p>
+            <a:pPr>
+              <a:lnSpc>
+                <a:spcPct val="90000"/>
+              </a:lnSpc>
+              <a:spcBef>
+                <a:spcPct val="0"/>
+              </a:spcBef>
+            </a:pPr>
+            <a:r>
+              <a:rPr lang="en-US" sz="3200">
+                <a:ea typeface="+mj-lt"/>
+                <a:cs typeface="+mj-lt"/>
+              </a:rPr>
+              <a:t>Add all links of your product that will help the mentor evaluate your business venture</a:t>
+            </a:r>
+            <a:endParaRPr lang="en-US"/>
+          </a:p>
+        </p:txBody>
+      </p:sp>
+      <p:graphicFrame>
+        <p:nvGraphicFramePr>
+          <p:cNvPr id="145" name="Google Shape;115;p22">
+            <a:extLst>
+              <a:ext uri="{FF2B5EF4-FFF2-40B4-BE49-F238E27FC236}">
+                <a16:creationId xmlns:a16="http://schemas.microsoft.com/office/drawing/2014/main" id="{833CF49C-AAB3-4AE7-B472-AE9F78C9C47A}"/>
+              </a:ext>
+            </a:extLst>
+          </p:cNvPr>
+          <p:cNvGraphicFramePr/>
+          <p:nvPr>
+            <p:extLst>
+              <p:ext uri="{D42A27DB-BD31-4B8C-83A1-F6EECF244321}">
+                <p14:modId xmlns:p14="http://schemas.microsoft.com/office/powerpoint/2010/main" val="1059074246"/>
+              </p:ext>
+            </p:extLst>
+          </p:nvPr>
+        </p:nvGraphicFramePr>
+        <p:xfrm>
+          <a:off x="1821692" y="1610577"/>
+          <a:ext cx="5499397" cy="2497331"/>
+        </p:xfrm>
+        <a:graphic>
+          <a:graphicData uri="http://schemas.openxmlformats.org/drawingml/2006/diagram">
+            <dgm:relIds xmlns:dgm="http://schemas.openxmlformats.org/drawingml/2006/diagram" xmlns:r="http://schemas.openxmlformats.org/officeDocument/2006/relationships" r:dm="rId8" r:lo="rId9" r:qs="rId10" r:cs="rId11"/>
+          </a:graphicData>
+        </a:graphic>
+      </p:graphicFrame>
+    </p:spTree>
+  </p:cSld>
+  <p:clrMapOvr>
+    <a:masterClrMapping/>
+  </p:clrMapOvr>
+</p:sld>
+</file>
+
+<file path=ppt/slides/slide11.xml><?xml version="1.0" encoding="utf-8"?>
 <p:sld xmlns:a="http://schemas.openxmlformats.org/drawingml/2006/main" xmlns:r="http://schemas.openxmlformats.org/officeDocument/2006/relationships" xmlns:p="http://schemas.openxmlformats.org/presentationml/2006/main">
   <p:cSld>
     <p:bg>
@@ -23175,21 +23757,22 @@
           </a:bodyPr>
           <a:lstStyle/>
           <a:p>
-            <a:pPr marL="0" lvl="0" indent="0">
+            <a:pPr>
               <a:lnSpc>
                 <a:spcPct val="90000"/>
               </a:lnSpc>
               <a:spcBef>
                 <a:spcPct val="0"/>
               </a:spcBef>
-              <a:spcAft>
-                <a:spcPts val="0"/>
-              </a:spcAft>
             </a:pPr>
             <a:r>
-              <a:rPr lang="en-US" sz="3300"/>
-              <a:t>Accomplishments</a:t>
+              <a:rPr lang="en-US" sz="3300">
+                <a:ea typeface="+mj-lt"/>
+                <a:cs typeface="+mj-lt"/>
+              </a:rPr>
+              <a:t>Add any accomplishments of your business venture (Optional)</a:t>
             </a:r>
+            <a:endParaRPr lang="en-US"/>
           </a:p>
         </p:txBody>
       </p:sp>
@@ -23229,7 +23812,7 @@
 </p:sld>
 </file>
 
-<file path=ppt/slides/slide11.xml><?xml version="1.0" encoding="utf-8"?>
+<file path=ppt/slides/slide12.xml><?xml version="1.0" encoding="utf-8"?>
 <p:sld xmlns:a="http://schemas.openxmlformats.org/drawingml/2006/main" xmlns:r="http://schemas.openxmlformats.org/officeDocument/2006/relationships" xmlns:p="http://schemas.openxmlformats.org/presentationml/2006/main">
   <p:cSld>
     <p:bg>
@@ -23671,12 +24254,20 @@
               <a:buSzPts val="990"/>
             </a:pPr>
             <a:r>
+              <a:rPr lang="en-US" sz="7200" dirty="0">
+                <a:solidFill>
+                  <a:srgbClr val="EBEBEB"/>
+                </a:solidFill>
+              </a:rPr>
+              <a:t>THANK </a:t>
+            </a:r>
+            <a:r>
               <a:rPr lang="en-US" sz="7200">
                 <a:solidFill>
                   <a:srgbClr val="EBEBEB"/>
                 </a:solidFill>
               </a:rPr>
-              <a:t>THANK YOU All</a:t>
+              <a:t>YOU</a:t>
             </a:r>
           </a:p>
         </p:txBody>
@@ -24831,6 +25422,52 @@
           </a:graphicData>
         </a:graphic>
       </p:graphicFrame>
+      <p:sp>
+        <p:nvSpPr>
+          <p:cNvPr id="24" name="TextBox 23">
+            <a:extLst>
+              <a:ext uri="{FF2B5EF4-FFF2-40B4-BE49-F238E27FC236}">
+                <a16:creationId xmlns:a16="http://schemas.microsoft.com/office/drawing/2014/main" id="{8D0E13E1-ED57-4B54-B2D3-4A0312677B26}"/>
+              </a:ext>
+            </a:extLst>
+          </p:cNvPr>
+          <p:cNvSpPr txBox="1"/>
+          <p:nvPr/>
+        </p:nvSpPr>
+        <p:spPr>
+          <a:xfrm>
+            <a:off x="1938058" y="77510"/>
+            <a:ext cx="5275796" cy="584775"/>
+          </a:xfrm>
+          <a:prstGeom prst="rect">
+            <a:avLst/>
+          </a:prstGeom>
+          <a:noFill/>
+        </p:spPr>
+        <p:txBody>
+          <a:bodyPr rot="0" spcFirstLastPara="0" vertOverflow="overflow" horzOverflow="overflow" vert="horz" wrap="square" lIns="91440" tIns="45720" rIns="91440" bIns="45720" numCol="1" spcCol="0" rtlCol="0" fromWordArt="0" anchor="t" anchorCtr="0" forceAA="0" compatLnSpc="1">
+            <a:prstTxWarp prst="textNoShape">
+              <a:avLst/>
+            </a:prstTxWarp>
+            <a:spAutoFit/>
+          </a:bodyPr>
+          <a:lstStyle/>
+          <a:p>
+            <a:r>
+              <a:rPr lang="en-US" sz="3200">
+                <a:solidFill>
+                  <a:schemeClr val="accent1">
+                    <a:lumMod val="60000"/>
+                    <a:lumOff val="40000"/>
+                  </a:schemeClr>
+                </a:solidFill>
+                <a:latin typeface="Century Gothic"/>
+              </a:rPr>
+              <a:t>NAME OF THE PRODUCT</a:t>
+            </a:r>
+          </a:p>
+        </p:txBody>
+      </p:sp>
     </p:spTree>
   </p:cSld>
   <p:clrMapOvr>
@@ -26533,25 +27170,22 @@
           </a:bodyPr>
           <a:lstStyle/>
           <a:p>
-            <a:pPr marL="0" lvl="0" indent="0">
+            <a:pPr>
               <a:lnSpc>
                 <a:spcPct val="90000"/>
               </a:lnSpc>
               <a:spcBef>
                 <a:spcPct val="0"/>
               </a:spcBef>
-              <a:spcAft>
-                <a:spcPts val="0"/>
-              </a:spcAft>
             </a:pPr>
             <a:r>
               <a:rPr lang="en-US" sz="3900">
-                <a:solidFill>
-                  <a:srgbClr val="EBEBEB"/>
-                </a:solidFill>
+                <a:ea typeface="+mj-lt"/>
+                <a:cs typeface="+mj-lt"/>
               </a:rPr>
-              <a:t>Business Model</a:t>
+              <a:t>What is your business model?</a:t>
             </a:r>
+            <a:endParaRPr lang="en-US"/>
           </a:p>
         </p:txBody>
       </p:sp>
@@ -27258,9 +27892,16 @@
                 <a:solidFill>
                   <a:srgbClr val="F2F2F2"/>
                 </a:solidFill>
+                <a:ea typeface="+mj-lt"/>
+                <a:cs typeface="+mj-lt"/>
               </a:rPr>
               <a:t>Distribution &amp; Marketing</a:t>
             </a:r>
+            <a:endParaRPr lang="en-US">
+              <a:solidFill>
+                <a:srgbClr val="F2F2F2"/>
+              </a:solidFill>
+            </a:endParaRPr>
           </a:p>
         </p:txBody>
       </p:sp>
@@ -28560,7 +29201,7 @@
         <p:spPr>
           <a:xfrm>
             <a:off x="391681" y="388471"/>
-            <a:ext cx="5149675" cy="1231490"/>
+            <a:ext cx="5526028" cy="1126948"/>
           </a:xfrm>
           <a:prstGeom prst="rect">
             <a:avLst/>
@@ -28568,22 +29209,26 @@
         </p:spPr>
         <p:txBody>
           <a:bodyPr spcFirstLastPara="1" vert="horz" lIns="91440" tIns="45720" rIns="91440" bIns="45720" rtlCol="0" anchor="t" anchorCtr="0">
-            <a:normAutofit/>
+            <a:normAutofit fontScale="90000"/>
           </a:bodyPr>
           <a:lstStyle/>
           <a:p>
-            <a:pPr marL="0" lvl="0" indent="0">
+            <a:pPr>
               <a:spcBef>
                 <a:spcPct val="0"/>
               </a:spcBef>
-              <a:spcAft>
-                <a:spcPts val="0"/>
-              </a:spcAft>
             </a:pPr>
             <a:r>
-              <a:rPr lang="en-US" sz="4000"/>
-              <a:t>Future Objectives</a:t>
+              <a:rPr lang="en-US" sz="4000">
+                <a:ea typeface="+mj-lt"/>
+                <a:cs typeface="+mj-lt"/>
+              </a:rPr>
+              <a:t>Future Plans for your Business</a:t>
             </a:r>
+            <a:endParaRPr lang="en-US">
+              <a:ea typeface="+mj-lt"/>
+              <a:cs typeface="+mj-lt"/>
+            </a:endParaRPr>
           </a:p>
         </p:txBody>
       </p:sp>
@@ -29233,18 +29878,22 @@
           </a:bodyPr>
           <a:lstStyle/>
           <a:p>
-            <a:pPr marL="0" lvl="0" indent="0">
+            <a:pPr>
               <a:spcBef>
                 <a:spcPct val="0"/>
               </a:spcBef>
-              <a:spcAft>
-                <a:spcPts val="0"/>
-              </a:spcAft>
             </a:pPr>
             <a:r>
-              <a:rPr lang="en-US" sz="4000"/>
-              <a:t>Pictures of Product</a:t>
+              <a:rPr lang="en-US" sz="4000">
+                <a:ea typeface="+mj-lt"/>
+                <a:cs typeface="+mj-lt"/>
+              </a:rPr>
+              <a:t>Pictures of your Product</a:t>
             </a:r>
+            <a:endParaRPr lang="en-US">
+              <a:ea typeface="+mj-lt"/>
+              <a:cs typeface="+mj-lt"/>
+            </a:endParaRPr>
           </a:p>
         </p:txBody>
       </p:sp>
@@ -29462,33 +30111,9 @@
 <file path=ppt/slides/slide9.xml><?xml version="1.0" encoding="utf-8"?>
 <p:sld xmlns:a="http://schemas.openxmlformats.org/drawingml/2006/main" xmlns:r="http://schemas.openxmlformats.org/officeDocument/2006/relationships" xmlns:p="http://schemas.openxmlformats.org/presentationml/2006/main">
   <p:cSld>
-    <p:bg>
-      <p:bgPr>
-        <a:blipFill rotWithShape="1">
-          <a:blip r:embed="rId3">
-            <a:duotone>
-              <a:schemeClr val="bg2">
-                <a:shade val="69000"/>
-                <a:hueMod val="108000"/>
-                <a:satMod val="164000"/>
-                <a:lumMod val="74000"/>
-              </a:schemeClr>
-              <a:schemeClr val="bg2">
-                <a:tint val="96000"/>
-                <a:hueMod val="88000"/>
-                <a:satMod val="140000"/>
-                <a:lumMod val="132000"/>
-              </a:schemeClr>
-            </a:duotone>
-          </a:blip>
-          <a:stretch/>
-        </a:blipFill>
-        <a:effectLst/>
-      </p:bgPr>
-    </p:bg>
     <p:spTree>
       <p:nvGrpSpPr>
-        <p:cNvPr id="1" name="Shape 113"/>
+        <p:cNvPr id="1" name=""/>
         <p:cNvGrpSpPr/>
         <p:nvPr/>
       </p:nvGrpSpPr>
@@ -29500,384 +30125,1559 @@
           <a:chExt cx="0" cy="0"/>
         </a:xfrm>
       </p:grpSpPr>
-      <p:pic>
-        <p:nvPicPr>
-          <p:cNvPr id="147" name="Picture 149">
+      <p:sp>
+        <p:nvSpPr>
+          <p:cNvPr id="4" name="Google Shape;104;p21">
             <a:extLst>
               <a:ext uri="{FF2B5EF4-FFF2-40B4-BE49-F238E27FC236}">
-                <a16:creationId xmlns:a16="http://schemas.microsoft.com/office/drawing/2014/main" id="{DF19BAF3-7E20-4B9D-B544-BABAEEA1FA75}"/>
-              </a:ext>
-              <a:ext uri="{C183D7F6-B498-43B3-948B-1728B52AA6E4}">
-                <adec:decorative xmlns:adec="http://schemas.microsoft.com/office/drawing/2017/decorative" val="1"/>
+                <a16:creationId xmlns:a16="http://schemas.microsoft.com/office/drawing/2014/main" id="{7FF31799-EAF7-4B3B-B26B-79C6D1F09E87}"/>
               </a:ext>
             </a:extLst>
           </p:cNvPr>
-          <p:cNvPicPr>
-            <a:picLocks noGrp="1" noRot="1" noChangeAspect="1" noMove="1" noResize="1" noEditPoints="1" noAdjustHandles="1" noChangeArrowheads="1" noChangeShapeType="1" noCrop="1"/>
-          </p:cNvPicPr>
-          <p:nvPr>
-            <p:extLst>
-              <p:ext uri="{386F3935-93C4-4BCD-93E2-E3B085C9AB24}">
-                <p16:designElem xmlns:p16="http://schemas.microsoft.com/office/powerpoint/2015/main" val="1"/>
-              </p:ext>
-            </p:extLst>
-          </p:nvPr>
-        </p:nvPicPr>
-        <p:blipFill rotWithShape="1">
-          <a:blip r:embed="rId4">
-            <a:extLst>
-              <a:ext uri="{28A0092B-C50C-407E-A947-70E740481C1C}">
-                <a14:useLocalDpi xmlns:a14="http://schemas.microsoft.com/office/drawing/2010/main" val="0"/>
-              </a:ext>
-            </a:extLst>
-          </a:blip>
-          <a:srcRect l="3613"/>
-          <a:stretch/>
-        </p:blipFill>
+          <p:cNvSpPr txBox="1"/>
+          <p:nvPr/>
+        </p:nvSpPr>
         <p:spPr>
           <a:xfrm>
-            <a:off x="0" y="2002263"/>
-            <a:ext cx="3027759" cy="3141237"/>
+            <a:off x="1551400" y="2113619"/>
+            <a:ext cx="1151100" cy="783900"/>
           </a:xfrm>
           <a:prstGeom prst="rect">
             <a:avLst/>
           </a:prstGeom>
+          <a:noFill/>
+          <a:ln>
+            <a:noFill/>
+          </a:ln>
         </p:spPr>
-      </p:pic>
-      <p:pic>
-        <p:nvPicPr>
-          <p:cNvPr id="148" name="Picture 151">
+        <p:txBody>
+          <a:bodyPr spcFirstLastPara="1" wrap="square" lIns="91425" tIns="91425" rIns="91425" bIns="91425" anchor="t" anchorCtr="0">
+            <a:noAutofit/>
+          </a:bodyPr>
+          <a:lstStyle>
+            <a:defPPr marR="0" lvl="0" algn="l" rtl="0">
+              <a:lnSpc>
+                <a:spcPct val="100000"/>
+              </a:lnSpc>
+              <a:spcBef>
+                <a:spcPts val="0"/>
+              </a:spcBef>
+              <a:spcAft>
+                <a:spcPts val="0"/>
+              </a:spcAft>
+            </a:defPPr>
+            <a:lvl1pPr marR="0" lvl="0" algn="l" rtl="0">
+              <a:lnSpc>
+                <a:spcPct val="100000"/>
+              </a:lnSpc>
+              <a:spcBef>
+                <a:spcPts val="0"/>
+              </a:spcBef>
+              <a:spcAft>
+                <a:spcPts val="0"/>
+              </a:spcAft>
+              <a:buClr>
+                <a:srgbClr val="000000"/>
+              </a:buClr>
+              <a:buFont typeface="Arial"/>
+              <a:defRPr sz="1400" b="0" i="0" u="none" strike="noStrike" cap="none">
+                <a:solidFill>
+                  <a:srgbClr val="000000"/>
+                </a:solidFill>
+                <a:latin typeface="Arial"/>
+                <a:ea typeface="Arial"/>
+                <a:cs typeface="Arial"/>
+                <a:sym typeface="Arial"/>
+              </a:defRPr>
+            </a:lvl1pPr>
+            <a:lvl2pPr marR="0" lvl="1" algn="l" rtl="0">
+              <a:lnSpc>
+                <a:spcPct val="100000"/>
+              </a:lnSpc>
+              <a:spcBef>
+                <a:spcPts val="0"/>
+              </a:spcBef>
+              <a:spcAft>
+                <a:spcPts val="0"/>
+              </a:spcAft>
+              <a:buClr>
+                <a:srgbClr val="000000"/>
+              </a:buClr>
+              <a:buFont typeface="Arial"/>
+              <a:defRPr sz="1400" b="0" i="0" u="none" strike="noStrike" cap="none">
+                <a:solidFill>
+                  <a:srgbClr val="000000"/>
+                </a:solidFill>
+                <a:latin typeface="Arial"/>
+                <a:ea typeface="Arial"/>
+                <a:cs typeface="Arial"/>
+                <a:sym typeface="Arial"/>
+              </a:defRPr>
+            </a:lvl2pPr>
+            <a:lvl3pPr marR="0" lvl="2" algn="l" rtl="0">
+              <a:lnSpc>
+                <a:spcPct val="100000"/>
+              </a:lnSpc>
+              <a:spcBef>
+                <a:spcPts val="0"/>
+              </a:spcBef>
+              <a:spcAft>
+                <a:spcPts val="0"/>
+              </a:spcAft>
+              <a:buClr>
+                <a:srgbClr val="000000"/>
+              </a:buClr>
+              <a:buFont typeface="Arial"/>
+              <a:defRPr sz="1400" b="0" i="0" u="none" strike="noStrike" cap="none">
+                <a:solidFill>
+                  <a:srgbClr val="000000"/>
+                </a:solidFill>
+                <a:latin typeface="Arial"/>
+                <a:ea typeface="Arial"/>
+                <a:cs typeface="Arial"/>
+                <a:sym typeface="Arial"/>
+              </a:defRPr>
+            </a:lvl3pPr>
+            <a:lvl4pPr marR="0" lvl="3" algn="l" rtl="0">
+              <a:lnSpc>
+                <a:spcPct val="100000"/>
+              </a:lnSpc>
+              <a:spcBef>
+                <a:spcPts val="0"/>
+              </a:spcBef>
+              <a:spcAft>
+                <a:spcPts val="0"/>
+              </a:spcAft>
+              <a:buClr>
+                <a:srgbClr val="000000"/>
+              </a:buClr>
+              <a:buFont typeface="Arial"/>
+              <a:defRPr sz="1400" b="0" i="0" u="none" strike="noStrike" cap="none">
+                <a:solidFill>
+                  <a:srgbClr val="000000"/>
+                </a:solidFill>
+                <a:latin typeface="Arial"/>
+                <a:ea typeface="Arial"/>
+                <a:cs typeface="Arial"/>
+                <a:sym typeface="Arial"/>
+              </a:defRPr>
+            </a:lvl4pPr>
+            <a:lvl5pPr marR="0" lvl="4" algn="l" rtl="0">
+              <a:lnSpc>
+                <a:spcPct val="100000"/>
+              </a:lnSpc>
+              <a:spcBef>
+                <a:spcPts val="0"/>
+              </a:spcBef>
+              <a:spcAft>
+                <a:spcPts val="0"/>
+              </a:spcAft>
+              <a:buClr>
+                <a:srgbClr val="000000"/>
+              </a:buClr>
+              <a:buFont typeface="Arial"/>
+              <a:defRPr sz="1400" b="0" i="0" u="none" strike="noStrike" cap="none">
+                <a:solidFill>
+                  <a:srgbClr val="000000"/>
+                </a:solidFill>
+                <a:latin typeface="Arial"/>
+                <a:ea typeface="Arial"/>
+                <a:cs typeface="Arial"/>
+                <a:sym typeface="Arial"/>
+              </a:defRPr>
+            </a:lvl5pPr>
+            <a:lvl6pPr marR="0" lvl="5" algn="l" rtl="0">
+              <a:lnSpc>
+                <a:spcPct val="100000"/>
+              </a:lnSpc>
+              <a:spcBef>
+                <a:spcPts val="0"/>
+              </a:spcBef>
+              <a:spcAft>
+                <a:spcPts val="0"/>
+              </a:spcAft>
+              <a:buClr>
+                <a:srgbClr val="000000"/>
+              </a:buClr>
+              <a:buFont typeface="Arial"/>
+              <a:defRPr sz="1400" b="0" i="0" u="none" strike="noStrike" cap="none">
+                <a:solidFill>
+                  <a:srgbClr val="000000"/>
+                </a:solidFill>
+                <a:latin typeface="Arial"/>
+                <a:ea typeface="Arial"/>
+                <a:cs typeface="Arial"/>
+                <a:sym typeface="Arial"/>
+              </a:defRPr>
+            </a:lvl6pPr>
+            <a:lvl7pPr marR="0" lvl="6" algn="l" rtl="0">
+              <a:lnSpc>
+                <a:spcPct val="100000"/>
+              </a:lnSpc>
+              <a:spcBef>
+                <a:spcPts val="0"/>
+              </a:spcBef>
+              <a:spcAft>
+                <a:spcPts val="0"/>
+              </a:spcAft>
+              <a:buClr>
+                <a:srgbClr val="000000"/>
+              </a:buClr>
+              <a:buFont typeface="Arial"/>
+              <a:defRPr sz="1400" b="0" i="0" u="none" strike="noStrike" cap="none">
+                <a:solidFill>
+                  <a:srgbClr val="000000"/>
+                </a:solidFill>
+                <a:latin typeface="Arial"/>
+                <a:ea typeface="Arial"/>
+                <a:cs typeface="Arial"/>
+                <a:sym typeface="Arial"/>
+              </a:defRPr>
+            </a:lvl7pPr>
+            <a:lvl8pPr marR="0" lvl="7" algn="l" rtl="0">
+              <a:lnSpc>
+                <a:spcPct val="100000"/>
+              </a:lnSpc>
+              <a:spcBef>
+                <a:spcPts val="0"/>
+              </a:spcBef>
+              <a:spcAft>
+                <a:spcPts val="0"/>
+              </a:spcAft>
+              <a:buClr>
+                <a:srgbClr val="000000"/>
+              </a:buClr>
+              <a:buFont typeface="Arial"/>
+              <a:defRPr sz="1400" b="0" i="0" u="none" strike="noStrike" cap="none">
+                <a:solidFill>
+                  <a:srgbClr val="000000"/>
+                </a:solidFill>
+                <a:latin typeface="Arial"/>
+                <a:ea typeface="Arial"/>
+                <a:cs typeface="Arial"/>
+                <a:sym typeface="Arial"/>
+              </a:defRPr>
+            </a:lvl8pPr>
+            <a:lvl9pPr marR="0" lvl="8" algn="l" rtl="0">
+              <a:lnSpc>
+                <a:spcPct val="100000"/>
+              </a:lnSpc>
+              <a:spcBef>
+                <a:spcPts val="0"/>
+              </a:spcBef>
+              <a:spcAft>
+                <a:spcPts val="0"/>
+              </a:spcAft>
+              <a:buClr>
+                <a:srgbClr val="000000"/>
+              </a:buClr>
+              <a:buFont typeface="Arial"/>
+              <a:defRPr sz="1400" b="0" i="0" u="none" strike="noStrike" cap="none">
+                <a:solidFill>
+                  <a:srgbClr val="000000"/>
+                </a:solidFill>
+                <a:latin typeface="Arial"/>
+                <a:ea typeface="Arial"/>
+                <a:cs typeface="Arial"/>
+                <a:sym typeface="Arial"/>
+              </a:defRPr>
+            </a:lvl9pPr>
+          </a:lstStyle>
+          <a:p>
+            <a:pPr marL="0" lvl="0" indent="0" algn="ctr" rtl="0">
+              <a:spcBef>
+                <a:spcPts val="0"/>
+              </a:spcBef>
+              <a:spcAft>
+                <a:spcPts val="0"/>
+              </a:spcAft>
+              <a:buNone/>
+            </a:pPr>
+            <a:r>
+              <a:rPr lang="en-GB" sz="2200">
+                <a:solidFill>
+                  <a:schemeClr val="lt1"/>
+                </a:solidFill>
+              </a:rPr>
+              <a:t>Student 1</a:t>
+            </a:r>
+            <a:endParaRPr sz="2200">
+              <a:solidFill>
+                <a:schemeClr val="lt1"/>
+              </a:solidFill>
+            </a:endParaRPr>
+          </a:p>
+        </p:txBody>
+      </p:sp>
+      <p:sp>
+        <p:nvSpPr>
+          <p:cNvPr id="5" name="Google Shape;105;p21">
             <a:extLst>
               <a:ext uri="{FF2B5EF4-FFF2-40B4-BE49-F238E27FC236}">
-                <a16:creationId xmlns:a16="http://schemas.microsoft.com/office/drawing/2014/main" id="{950648F4-ABCD-4DF0-8641-76CFB2354721}"/>
-              </a:ext>
-              <a:ext uri="{C183D7F6-B498-43B3-948B-1728B52AA6E4}">
-                <adec:decorative xmlns:adec="http://schemas.microsoft.com/office/drawing/2017/decorative" val="1"/>
+                <a16:creationId xmlns:a16="http://schemas.microsoft.com/office/drawing/2014/main" id="{41E21C4E-F46C-4CE8-9BE7-AB690A44FFF8}"/>
               </a:ext>
             </a:extLst>
           </p:cNvPr>
-          <p:cNvPicPr>
-            <a:picLocks noGrp="1" noRot="1" noChangeAspect="1" noMove="1" noResize="1" noEditPoints="1" noAdjustHandles="1" noChangeArrowheads="1" noChangeShapeType="1" noCrop="1"/>
-          </p:cNvPicPr>
-          <p:nvPr>
-            <p:extLst>
-              <p:ext uri="{386F3935-93C4-4BCD-93E2-E3B085C9AB24}">
-                <p16:designElem xmlns:p16="http://schemas.microsoft.com/office/powerpoint/2015/main" val="1"/>
-              </p:ext>
-            </p:extLst>
-          </p:nvPr>
-        </p:nvPicPr>
-        <p:blipFill rotWithShape="1">
-          <a:blip r:embed="rId5">
-            <a:extLst>
-              <a:ext uri="{28A0092B-C50C-407E-A947-70E740481C1C}">
-                <a14:useLocalDpi xmlns:a14="http://schemas.microsoft.com/office/drawing/2010/main" val="0"/>
-              </a:ext>
-            </a:extLst>
-          </a:blip>
-          <a:srcRect l="35640"/>
-          <a:stretch/>
-        </p:blipFill>
+          <p:cNvSpPr txBox="1"/>
+          <p:nvPr/>
+        </p:nvSpPr>
         <p:spPr>
           <a:xfrm>
-            <a:off x="0" y="2169260"/>
-            <a:ext cx="1141809" cy="1774090"/>
+            <a:off x="4043050" y="2099531"/>
+            <a:ext cx="1205400" cy="694800"/>
           </a:xfrm>
           <a:prstGeom prst="rect">
             <a:avLst/>
           </a:prstGeom>
+          <a:noFill/>
+          <a:ln>
+            <a:noFill/>
+          </a:ln>
         </p:spPr>
-      </p:pic>
+        <p:txBody>
+          <a:bodyPr spcFirstLastPara="1" wrap="square" lIns="91425" tIns="91425" rIns="91425" bIns="91425" anchor="t" anchorCtr="0">
+            <a:noAutofit/>
+          </a:bodyPr>
+          <a:lstStyle>
+            <a:defPPr marR="0" lvl="0" algn="l" rtl="0">
+              <a:lnSpc>
+                <a:spcPct val="100000"/>
+              </a:lnSpc>
+              <a:spcBef>
+                <a:spcPts val="0"/>
+              </a:spcBef>
+              <a:spcAft>
+                <a:spcPts val="0"/>
+              </a:spcAft>
+            </a:defPPr>
+            <a:lvl1pPr marR="0" lvl="0" algn="l" rtl="0">
+              <a:lnSpc>
+                <a:spcPct val="100000"/>
+              </a:lnSpc>
+              <a:spcBef>
+                <a:spcPts val="0"/>
+              </a:spcBef>
+              <a:spcAft>
+                <a:spcPts val="0"/>
+              </a:spcAft>
+              <a:buClr>
+                <a:srgbClr val="000000"/>
+              </a:buClr>
+              <a:buFont typeface="Arial"/>
+              <a:defRPr sz="1400" b="0" i="0" u="none" strike="noStrike" cap="none">
+                <a:solidFill>
+                  <a:srgbClr val="000000"/>
+                </a:solidFill>
+                <a:latin typeface="Arial"/>
+                <a:ea typeface="Arial"/>
+                <a:cs typeface="Arial"/>
+                <a:sym typeface="Arial"/>
+              </a:defRPr>
+            </a:lvl1pPr>
+            <a:lvl2pPr marR="0" lvl="1" algn="l" rtl="0">
+              <a:lnSpc>
+                <a:spcPct val="100000"/>
+              </a:lnSpc>
+              <a:spcBef>
+                <a:spcPts val="0"/>
+              </a:spcBef>
+              <a:spcAft>
+                <a:spcPts val="0"/>
+              </a:spcAft>
+              <a:buClr>
+                <a:srgbClr val="000000"/>
+              </a:buClr>
+              <a:buFont typeface="Arial"/>
+              <a:defRPr sz="1400" b="0" i="0" u="none" strike="noStrike" cap="none">
+                <a:solidFill>
+                  <a:srgbClr val="000000"/>
+                </a:solidFill>
+                <a:latin typeface="Arial"/>
+                <a:ea typeface="Arial"/>
+                <a:cs typeface="Arial"/>
+                <a:sym typeface="Arial"/>
+              </a:defRPr>
+            </a:lvl2pPr>
+            <a:lvl3pPr marR="0" lvl="2" algn="l" rtl="0">
+              <a:lnSpc>
+                <a:spcPct val="100000"/>
+              </a:lnSpc>
+              <a:spcBef>
+                <a:spcPts val="0"/>
+              </a:spcBef>
+              <a:spcAft>
+                <a:spcPts val="0"/>
+              </a:spcAft>
+              <a:buClr>
+                <a:srgbClr val="000000"/>
+              </a:buClr>
+              <a:buFont typeface="Arial"/>
+              <a:defRPr sz="1400" b="0" i="0" u="none" strike="noStrike" cap="none">
+                <a:solidFill>
+                  <a:srgbClr val="000000"/>
+                </a:solidFill>
+                <a:latin typeface="Arial"/>
+                <a:ea typeface="Arial"/>
+                <a:cs typeface="Arial"/>
+                <a:sym typeface="Arial"/>
+              </a:defRPr>
+            </a:lvl3pPr>
+            <a:lvl4pPr marR="0" lvl="3" algn="l" rtl="0">
+              <a:lnSpc>
+                <a:spcPct val="100000"/>
+              </a:lnSpc>
+              <a:spcBef>
+                <a:spcPts val="0"/>
+              </a:spcBef>
+              <a:spcAft>
+                <a:spcPts val="0"/>
+              </a:spcAft>
+              <a:buClr>
+                <a:srgbClr val="000000"/>
+              </a:buClr>
+              <a:buFont typeface="Arial"/>
+              <a:defRPr sz="1400" b="0" i="0" u="none" strike="noStrike" cap="none">
+                <a:solidFill>
+                  <a:srgbClr val="000000"/>
+                </a:solidFill>
+                <a:latin typeface="Arial"/>
+                <a:ea typeface="Arial"/>
+                <a:cs typeface="Arial"/>
+                <a:sym typeface="Arial"/>
+              </a:defRPr>
+            </a:lvl4pPr>
+            <a:lvl5pPr marR="0" lvl="4" algn="l" rtl="0">
+              <a:lnSpc>
+                <a:spcPct val="100000"/>
+              </a:lnSpc>
+              <a:spcBef>
+                <a:spcPts val="0"/>
+              </a:spcBef>
+              <a:spcAft>
+                <a:spcPts val="0"/>
+              </a:spcAft>
+              <a:buClr>
+                <a:srgbClr val="000000"/>
+              </a:buClr>
+              <a:buFont typeface="Arial"/>
+              <a:defRPr sz="1400" b="0" i="0" u="none" strike="noStrike" cap="none">
+                <a:solidFill>
+                  <a:srgbClr val="000000"/>
+                </a:solidFill>
+                <a:latin typeface="Arial"/>
+                <a:ea typeface="Arial"/>
+                <a:cs typeface="Arial"/>
+                <a:sym typeface="Arial"/>
+              </a:defRPr>
+            </a:lvl5pPr>
+            <a:lvl6pPr marR="0" lvl="5" algn="l" rtl="0">
+              <a:lnSpc>
+                <a:spcPct val="100000"/>
+              </a:lnSpc>
+              <a:spcBef>
+                <a:spcPts val="0"/>
+              </a:spcBef>
+              <a:spcAft>
+                <a:spcPts val="0"/>
+              </a:spcAft>
+              <a:buClr>
+                <a:srgbClr val="000000"/>
+              </a:buClr>
+              <a:buFont typeface="Arial"/>
+              <a:defRPr sz="1400" b="0" i="0" u="none" strike="noStrike" cap="none">
+                <a:solidFill>
+                  <a:srgbClr val="000000"/>
+                </a:solidFill>
+                <a:latin typeface="Arial"/>
+                <a:ea typeface="Arial"/>
+                <a:cs typeface="Arial"/>
+                <a:sym typeface="Arial"/>
+              </a:defRPr>
+            </a:lvl6pPr>
+            <a:lvl7pPr marR="0" lvl="6" algn="l" rtl="0">
+              <a:lnSpc>
+                <a:spcPct val="100000"/>
+              </a:lnSpc>
+              <a:spcBef>
+                <a:spcPts val="0"/>
+              </a:spcBef>
+              <a:spcAft>
+                <a:spcPts val="0"/>
+              </a:spcAft>
+              <a:buClr>
+                <a:srgbClr val="000000"/>
+              </a:buClr>
+              <a:buFont typeface="Arial"/>
+              <a:defRPr sz="1400" b="0" i="0" u="none" strike="noStrike" cap="none">
+                <a:solidFill>
+                  <a:srgbClr val="000000"/>
+                </a:solidFill>
+                <a:latin typeface="Arial"/>
+                <a:ea typeface="Arial"/>
+                <a:cs typeface="Arial"/>
+                <a:sym typeface="Arial"/>
+              </a:defRPr>
+            </a:lvl7pPr>
+            <a:lvl8pPr marR="0" lvl="7" algn="l" rtl="0">
+              <a:lnSpc>
+                <a:spcPct val="100000"/>
+              </a:lnSpc>
+              <a:spcBef>
+                <a:spcPts val="0"/>
+              </a:spcBef>
+              <a:spcAft>
+                <a:spcPts val="0"/>
+              </a:spcAft>
+              <a:buClr>
+                <a:srgbClr val="000000"/>
+              </a:buClr>
+              <a:buFont typeface="Arial"/>
+              <a:defRPr sz="1400" b="0" i="0" u="none" strike="noStrike" cap="none">
+                <a:solidFill>
+                  <a:srgbClr val="000000"/>
+                </a:solidFill>
+                <a:latin typeface="Arial"/>
+                <a:ea typeface="Arial"/>
+                <a:cs typeface="Arial"/>
+                <a:sym typeface="Arial"/>
+              </a:defRPr>
+            </a:lvl8pPr>
+            <a:lvl9pPr marR="0" lvl="8" algn="l" rtl="0">
+              <a:lnSpc>
+                <a:spcPct val="100000"/>
+              </a:lnSpc>
+              <a:spcBef>
+                <a:spcPts val="0"/>
+              </a:spcBef>
+              <a:spcAft>
+                <a:spcPts val="0"/>
+              </a:spcAft>
+              <a:buClr>
+                <a:srgbClr val="000000"/>
+              </a:buClr>
+              <a:buFont typeface="Arial"/>
+              <a:defRPr sz="1400" b="0" i="0" u="none" strike="noStrike" cap="none">
+                <a:solidFill>
+                  <a:srgbClr val="000000"/>
+                </a:solidFill>
+                <a:latin typeface="Arial"/>
+                <a:ea typeface="Arial"/>
+                <a:cs typeface="Arial"/>
+                <a:sym typeface="Arial"/>
+              </a:defRPr>
+            </a:lvl9pPr>
+          </a:lstStyle>
+          <a:p>
+            <a:pPr marL="0" lvl="0" indent="0" algn="ctr" rtl="0">
+              <a:spcBef>
+                <a:spcPts val="0"/>
+              </a:spcBef>
+              <a:spcAft>
+                <a:spcPts val="0"/>
+              </a:spcAft>
+              <a:buNone/>
+            </a:pPr>
+            <a:r>
+              <a:rPr lang="en-GB" sz="2200">
+                <a:solidFill>
+                  <a:schemeClr val="lt1"/>
+                </a:solidFill>
+              </a:rPr>
+              <a:t>Student 2</a:t>
+            </a:r>
+            <a:endParaRPr sz="2200">
+              <a:solidFill>
+                <a:schemeClr val="lt1"/>
+              </a:solidFill>
+            </a:endParaRPr>
+          </a:p>
+        </p:txBody>
+      </p:sp>
       <p:sp>
         <p:nvSpPr>
-          <p:cNvPr id="149" name="Oval 153">
+          <p:cNvPr id="6" name="Google Shape;106;p21">
             <a:extLst>
               <a:ext uri="{FF2B5EF4-FFF2-40B4-BE49-F238E27FC236}">
-                <a16:creationId xmlns:a16="http://schemas.microsoft.com/office/drawing/2014/main" id="{989BE678-777B-482A-A616-FEDC47B162E5}"/>
-              </a:ext>
-              <a:ext uri="{C183D7F6-B498-43B3-948B-1728B52AA6E4}">
-                <adec:decorative xmlns:adec="http://schemas.microsoft.com/office/drawing/2017/decorative" val="1"/>
+                <a16:creationId xmlns:a16="http://schemas.microsoft.com/office/drawing/2014/main" id="{6E98E944-D364-4F51-8A2B-F638E904AB70}"/>
               </a:ext>
             </a:extLst>
           </p:cNvPr>
-          <p:cNvSpPr>
-            <a:spLocks noGrp="1" noRot="1" noChangeAspect="1" noMove="1" noResize="1" noEditPoints="1" noAdjustHandles="1" noChangeArrowheads="1" noChangeShapeType="1" noTextEdit="1"/>
-          </p:cNvSpPr>
-          <p:nvPr>
-            <p:extLst>
-              <p:ext uri="{386F3935-93C4-4BCD-93E2-E3B085C9AB24}">
-                <p16:designElem xmlns:p16="http://schemas.microsoft.com/office/powerpoint/2015/main" val="1"/>
-              </p:ext>
-            </p:extLst>
-          </p:nvPr>
+          <p:cNvSpPr txBox="1"/>
+          <p:nvPr/>
         </p:nvSpPr>
         <p:spPr>
           <a:xfrm>
-            <a:off x="6456759" y="1257300"/>
-            <a:ext cx="2114550" cy="2114550"/>
-          </a:xfrm>
-          <a:prstGeom prst="ellipse">
-            <a:avLst/>
-          </a:prstGeom>
-          <a:gradFill flip="none" rotWithShape="1">
-            <a:gsLst>
-              <a:gs pos="0">
-                <a:schemeClr val="bg2">
-                  <a:lumMod val="60000"/>
-                  <a:lumOff val="40000"/>
-                  <a:alpha val="7000"/>
-                </a:schemeClr>
-              </a:gs>
-              <a:gs pos="69000">
-                <a:schemeClr val="bg2">
-                  <a:lumMod val="60000"/>
-                  <a:lumOff val="40000"/>
-                  <a:alpha val="0"/>
-                </a:schemeClr>
-              </a:gs>
-              <a:gs pos="36000">
-                <a:schemeClr val="bg2">
-                  <a:lumMod val="60000"/>
-                  <a:lumOff val="40000"/>
-                  <a:alpha val="6000"/>
-                </a:schemeClr>
-              </a:gs>
-            </a:gsLst>
-            <a:path path="circle">
-              <a:fillToRect l="50000" t="50000" r="50000" b="50000"/>
-            </a:path>
-            <a:tileRect/>
-          </a:gradFill>
-          <a:ln>
-            <a:noFill/>
-          </a:ln>
-          <a:effectLst/>
-        </p:spPr>
-        <p:style>
-          <a:lnRef idx="1">
-            <a:schemeClr val="accent1"/>
-          </a:lnRef>
-          <a:fillRef idx="3">
-            <a:schemeClr val="accent1"/>
-          </a:fillRef>
-          <a:effectRef idx="2">
-            <a:schemeClr val="accent1"/>
-          </a:effectRef>
-          <a:fontRef idx="minor">
-            <a:schemeClr val="lt1"/>
-          </a:fontRef>
-        </p:style>
-      </p:sp>
-      <p:pic>
-        <p:nvPicPr>
-          <p:cNvPr id="151" name="Picture 155">
-            <a:extLst>
-              <a:ext uri="{FF2B5EF4-FFF2-40B4-BE49-F238E27FC236}">
-                <a16:creationId xmlns:a16="http://schemas.microsoft.com/office/drawing/2014/main" id="{CF1EB4BD-9C7E-4AA3-9681-C7EB0DA6250B}"/>
-              </a:ext>
-              <a:ext uri="{C183D7F6-B498-43B3-948B-1728B52AA6E4}">
-                <adec:decorative xmlns:adec="http://schemas.microsoft.com/office/drawing/2017/decorative" val="1"/>
-              </a:ext>
-            </a:extLst>
-          </p:cNvPr>
-          <p:cNvPicPr>
-            <a:picLocks noGrp="1" noRot="1" noChangeAspect="1" noMove="1" noResize="1" noEditPoints="1" noAdjustHandles="1" noChangeArrowheads="1" noChangeShapeType="1" noCrop="1"/>
-          </p:cNvPicPr>
-          <p:nvPr>
-            <p:extLst>
-              <p:ext uri="{386F3935-93C4-4BCD-93E2-E3B085C9AB24}">
-                <p16:designElem xmlns:p16="http://schemas.microsoft.com/office/powerpoint/2015/main" val="1"/>
-              </p:ext>
-            </p:extLst>
-          </p:nvPr>
-        </p:nvPicPr>
-        <p:blipFill rotWithShape="1">
-          <a:blip r:embed="rId6">
-            <a:extLst>
-              <a:ext uri="{28A0092B-C50C-407E-A947-70E740481C1C}">
-                <a14:useLocalDpi xmlns:a14="http://schemas.microsoft.com/office/drawing/2010/main" val="0"/>
-              </a:ext>
-            </a:extLst>
-          </a:blip>
-          <a:srcRect t="28813"/>
-          <a:stretch/>
-        </p:blipFill>
-        <p:spPr>
-          <a:xfrm>
-            <a:off x="5999559" y="0"/>
-            <a:ext cx="1202540" cy="856055"/>
+            <a:off x="6339725" y="2113631"/>
+            <a:ext cx="1334700" cy="514200"/>
           </a:xfrm>
           <a:prstGeom prst="rect">
             <a:avLst/>
           </a:prstGeom>
+          <a:noFill/>
+          <a:ln>
+            <a:noFill/>
+          </a:ln>
         </p:spPr>
-      </p:pic>
-      <p:pic>
-        <p:nvPicPr>
-          <p:cNvPr id="153" name="Picture 157">
+        <p:txBody>
+          <a:bodyPr spcFirstLastPara="1" wrap="square" lIns="91425" tIns="91425" rIns="91425" bIns="91425" anchor="t" anchorCtr="0">
+            <a:noAutofit/>
+          </a:bodyPr>
+          <a:lstStyle>
+            <a:defPPr marR="0" lvl="0" algn="l" rtl="0">
+              <a:lnSpc>
+                <a:spcPct val="100000"/>
+              </a:lnSpc>
+              <a:spcBef>
+                <a:spcPts val="0"/>
+              </a:spcBef>
+              <a:spcAft>
+                <a:spcPts val="0"/>
+              </a:spcAft>
+            </a:defPPr>
+            <a:lvl1pPr marR="0" lvl="0" algn="l" rtl="0">
+              <a:lnSpc>
+                <a:spcPct val="100000"/>
+              </a:lnSpc>
+              <a:spcBef>
+                <a:spcPts val="0"/>
+              </a:spcBef>
+              <a:spcAft>
+                <a:spcPts val="0"/>
+              </a:spcAft>
+              <a:buClr>
+                <a:srgbClr val="000000"/>
+              </a:buClr>
+              <a:buFont typeface="Arial"/>
+              <a:defRPr sz="1400" b="0" i="0" u="none" strike="noStrike" cap="none">
+                <a:solidFill>
+                  <a:srgbClr val="000000"/>
+                </a:solidFill>
+                <a:latin typeface="Arial"/>
+                <a:ea typeface="Arial"/>
+                <a:cs typeface="Arial"/>
+                <a:sym typeface="Arial"/>
+              </a:defRPr>
+            </a:lvl1pPr>
+            <a:lvl2pPr marR="0" lvl="1" algn="l" rtl="0">
+              <a:lnSpc>
+                <a:spcPct val="100000"/>
+              </a:lnSpc>
+              <a:spcBef>
+                <a:spcPts val="0"/>
+              </a:spcBef>
+              <a:spcAft>
+                <a:spcPts val="0"/>
+              </a:spcAft>
+              <a:buClr>
+                <a:srgbClr val="000000"/>
+              </a:buClr>
+              <a:buFont typeface="Arial"/>
+              <a:defRPr sz="1400" b="0" i="0" u="none" strike="noStrike" cap="none">
+                <a:solidFill>
+                  <a:srgbClr val="000000"/>
+                </a:solidFill>
+                <a:latin typeface="Arial"/>
+                <a:ea typeface="Arial"/>
+                <a:cs typeface="Arial"/>
+                <a:sym typeface="Arial"/>
+              </a:defRPr>
+            </a:lvl2pPr>
+            <a:lvl3pPr marR="0" lvl="2" algn="l" rtl="0">
+              <a:lnSpc>
+                <a:spcPct val="100000"/>
+              </a:lnSpc>
+              <a:spcBef>
+                <a:spcPts val="0"/>
+              </a:spcBef>
+              <a:spcAft>
+                <a:spcPts val="0"/>
+              </a:spcAft>
+              <a:buClr>
+                <a:srgbClr val="000000"/>
+              </a:buClr>
+              <a:buFont typeface="Arial"/>
+              <a:defRPr sz="1400" b="0" i="0" u="none" strike="noStrike" cap="none">
+                <a:solidFill>
+                  <a:srgbClr val="000000"/>
+                </a:solidFill>
+                <a:latin typeface="Arial"/>
+                <a:ea typeface="Arial"/>
+                <a:cs typeface="Arial"/>
+                <a:sym typeface="Arial"/>
+              </a:defRPr>
+            </a:lvl3pPr>
+            <a:lvl4pPr marR="0" lvl="3" algn="l" rtl="0">
+              <a:lnSpc>
+                <a:spcPct val="100000"/>
+              </a:lnSpc>
+              <a:spcBef>
+                <a:spcPts val="0"/>
+              </a:spcBef>
+              <a:spcAft>
+                <a:spcPts val="0"/>
+              </a:spcAft>
+              <a:buClr>
+                <a:srgbClr val="000000"/>
+              </a:buClr>
+              <a:buFont typeface="Arial"/>
+              <a:defRPr sz="1400" b="0" i="0" u="none" strike="noStrike" cap="none">
+                <a:solidFill>
+                  <a:srgbClr val="000000"/>
+                </a:solidFill>
+                <a:latin typeface="Arial"/>
+                <a:ea typeface="Arial"/>
+                <a:cs typeface="Arial"/>
+                <a:sym typeface="Arial"/>
+              </a:defRPr>
+            </a:lvl4pPr>
+            <a:lvl5pPr marR="0" lvl="4" algn="l" rtl="0">
+              <a:lnSpc>
+                <a:spcPct val="100000"/>
+              </a:lnSpc>
+              <a:spcBef>
+                <a:spcPts val="0"/>
+              </a:spcBef>
+              <a:spcAft>
+                <a:spcPts val="0"/>
+              </a:spcAft>
+              <a:buClr>
+                <a:srgbClr val="000000"/>
+              </a:buClr>
+              <a:buFont typeface="Arial"/>
+              <a:defRPr sz="1400" b="0" i="0" u="none" strike="noStrike" cap="none">
+                <a:solidFill>
+                  <a:srgbClr val="000000"/>
+                </a:solidFill>
+                <a:latin typeface="Arial"/>
+                <a:ea typeface="Arial"/>
+                <a:cs typeface="Arial"/>
+                <a:sym typeface="Arial"/>
+              </a:defRPr>
+            </a:lvl5pPr>
+            <a:lvl6pPr marR="0" lvl="5" algn="l" rtl="0">
+              <a:lnSpc>
+                <a:spcPct val="100000"/>
+              </a:lnSpc>
+              <a:spcBef>
+                <a:spcPts val="0"/>
+              </a:spcBef>
+              <a:spcAft>
+                <a:spcPts val="0"/>
+              </a:spcAft>
+              <a:buClr>
+                <a:srgbClr val="000000"/>
+              </a:buClr>
+              <a:buFont typeface="Arial"/>
+              <a:defRPr sz="1400" b="0" i="0" u="none" strike="noStrike" cap="none">
+                <a:solidFill>
+                  <a:srgbClr val="000000"/>
+                </a:solidFill>
+                <a:latin typeface="Arial"/>
+                <a:ea typeface="Arial"/>
+                <a:cs typeface="Arial"/>
+                <a:sym typeface="Arial"/>
+              </a:defRPr>
+            </a:lvl6pPr>
+            <a:lvl7pPr marR="0" lvl="6" algn="l" rtl="0">
+              <a:lnSpc>
+                <a:spcPct val="100000"/>
+              </a:lnSpc>
+              <a:spcBef>
+                <a:spcPts val="0"/>
+              </a:spcBef>
+              <a:spcAft>
+                <a:spcPts val="0"/>
+              </a:spcAft>
+              <a:buClr>
+                <a:srgbClr val="000000"/>
+              </a:buClr>
+              <a:buFont typeface="Arial"/>
+              <a:defRPr sz="1400" b="0" i="0" u="none" strike="noStrike" cap="none">
+                <a:solidFill>
+                  <a:srgbClr val="000000"/>
+                </a:solidFill>
+                <a:latin typeface="Arial"/>
+                <a:ea typeface="Arial"/>
+                <a:cs typeface="Arial"/>
+                <a:sym typeface="Arial"/>
+              </a:defRPr>
+            </a:lvl7pPr>
+            <a:lvl8pPr marR="0" lvl="7" algn="l" rtl="0">
+              <a:lnSpc>
+                <a:spcPct val="100000"/>
+              </a:lnSpc>
+              <a:spcBef>
+                <a:spcPts val="0"/>
+              </a:spcBef>
+              <a:spcAft>
+                <a:spcPts val="0"/>
+              </a:spcAft>
+              <a:buClr>
+                <a:srgbClr val="000000"/>
+              </a:buClr>
+              <a:buFont typeface="Arial"/>
+              <a:defRPr sz="1400" b="0" i="0" u="none" strike="noStrike" cap="none">
+                <a:solidFill>
+                  <a:srgbClr val="000000"/>
+                </a:solidFill>
+                <a:latin typeface="Arial"/>
+                <a:ea typeface="Arial"/>
+                <a:cs typeface="Arial"/>
+                <a:sym typeface="Arial"/>
+              </a:defRPr>
+            </a:lvl8pPr>
+            <a:lvl9pPr marR="0" lvl="8" algn="l" rtl="0">
+              <a:lnSpc>
+                <a:spcPct val="100000"/>
+              </a:lnSpc>
+              <a:spcBef>
+                <a:spcPts val="0"/>
+              </a:spcBef>
+              <a:spcAft>
+                <a:spcPts val="0"/>
+              </a:spcAft>
+              <a:buClr>
+                <a:srgbClr val="000000"/>
+              </a:buClr>
+              <a:buFont typeface="Arial"/>
+              <a:defRPr sz="1400" b="0" i="0" u="none" strike="noStrike" cap="none">
+                <a:solidFill>
+                  <a:srgbClr val="000000"/>
+                </a:solidFill>
+                <a:latin typeface="Arial"/>
+                <a:ea typeface="Arial"/>
+                <a:cs typeface="Arial"/>
+                <a:sym typeface="Arial"/>
+              </a:defRPr>
+            </a:lvl9pPr>
+          </a:lstStyle>
+          <a:p>
+            <a:pPr marL="0" lvl="0" indent="0" algn="ctr" rtl="0">
+              <a:spcBef>
+                <a:spcPts val="0"/>
+              </a:spcBef>
+              <a:spcAft>
+                <a:spcPts val="0"/>
+              </a:spcAft>
+              <a:buNone/>
+            </a:pPr>
+            <a:r>
+              <a:rPr lang="en-GB" sz="2200">
+                <a:solidFill>
+                  <a:schemeClr val="lt1"/>
+                </a:solidFill>
+              </a:rPr>
+              <a:t>Student 3</a:t>
+            </a:r>
+            <a:endParaRPr sz="2200">
+              <a:solidFill>
+                <a:schemeClr val="lt1"/>
+              </a:solidFill>
+            </a:endParaRPr>
+          </a:p>
+        </p:txBody>
+      </p:sp>
+      <p:sp>
+        <p:nvSpPr>
+          <p:cNvPr id="7" name="Google Shape;108;p21">
             <a:extLst>
               <a:ext uri="{FF2B5EF4-FFF2-40B4-BE49-F238E27FC236}">
-                <a16:creationId xmlns:a16="http://schemas.microsoft.com/office/drawing/2014/main" id="{94AAE3AA-3759-4D28-B0EF-575F25A5146C}"/>
-              </a:ext>
-              <a:ext uri="{C183D7F6-B498-43B3-948B-1728B52AA6E4}">
-                <adec:decorative xmlns:adec="http://schemas.microsoft.com/office/drawing/2017/decorative" val="1"/>
+                <a16:creationId xmlns:a16="http://schemas.microsoft.com/office/drawing/2014/main" id="{F394CEFA-0113-4D95-A183-2610ED27202F}"/>
               </a:ext>
             </a:extLst>
           </p:cNvPr>
-          <p:cNvPicPr>
-            <a:picLocks noGrp="1" noRot="1" noChangeAspect="1" noMove="1" noResize="1" noEditPoints="1" noAdjustHandles="1" noChangeArrowheads="1" noChangeShapeType="1" noCrop="1"/>
-          </p:cNvPicPr>
-          <p:nvPr>
-            <p:extLst>
-              <p:ext uri="{386F3935-93C4-4BCD-93E2-E3B085C9AB24}">
-                <p16:designElem xmlns:p16="http://schemas.microsoft.com/office/powerpoint/2015/main" val="1"/>
-              </p:ext>
-            </p:extLst>
-          </p:nvPr>
-        </p:nvPicPr>
-        <p:blipFill rotWithShape="1">
-          <a:blip r:embed="rId7">
-            <a:extLst>
-              <a:ext uri="{28A0092B-C50C-407E-A947-70E740481C1C}">
-                <a14:useLocalDpi xmlns:a14="http://schemas.microsoft.com/office/drawing/2010/main" val="0"/>
-              </a:ext>
-            </a:extLst>
-          </a:blip>
-          <a:srcRect b="23320"/>
-          <a:stretch/>
-        </p:blipFill>
+          <p:cNvSpPr txBox="1"/>
+          <p:nvPr/>
+        </p:nvSpPr>
         <p:spPr>
           <a:xfrm>
-            <a:off x="6454408" y="4572000"/>
-            <a:ext cx="745301" cy="571500"/>
+            <a:off x="1982588" y="3823981"/>
+            <a:ext cx="1642500" cy="294360"/>
           </a:xfrm>
           <a:prstGeom prst="rect">
             <a:avLst/>
           </a:prstGeom>
+          <a:noFill/>
+          <a:ln>
+            <a:noFill/>
+          </a:ln>
         </p:spPr>
-      </p:pic>
+        <p:txBody>
+          <a:bodyPr spcFirstLastPara="1" wrap="square" lIns="91425" tIns="91425" rIns="91425" bIns="91425" anchor="t" anchorCtr="0">
+            <a:spAutoFit/>
+          </a:bodyPr>
+          <a:lstStyle>
+            <a:defPPr marR="0" lvl="0" algn="l" rtl="0">
+              <a:lnSpc>
+                <a:spcPct val="100000"/>
+              </a:lnSpc>
+              <a:spcBef>
+                <a:spcPts val="0"/>
+              </a:spcBef>
+              <a:spcAft>
+                <a:spcPts val="0"/>
+              </a:spcAft>
+            </a:defPPr>
+            <a:lvl1pPr marR="0" lvl="0" algn="l" rtl="0">
+              <a:lnSpc>
+                <a:spcPct val="100000"/>
+              </a:lnSpc>
+              <a:spcBef>
+                <a:spcPts val="0"/>
+              </a:spcBef>
+              <a:spcAft>
+                <a:spcPts val="0"/>
+              </a:spcAft>
+              <a:buClr>
+                <a:srgbClr val="000000"/>
+              </a:buClr>
+              <a:buFont typeface="Arial"/>
+              <a:defRPr sz="1400" b="0" i="0" u="none" strike="noStrike" cap="none">
+                <a:solidFill>
+                  <a:srgbClr val="000000"/>
+                </a:solidFill>
+                <a:latin typeface="Arial"/>
+                <a:ea typeface="Arial"/>
+                <a:cs typeface="Arial"/>
+                <a:sym typeface="Arial"/>
+              </a:defRPr>
+            </a:lvl1pPr>
+            <a:lvl2pPr marR="0" lvl="1" algn="l" rtl="0">
+              <a:lnSpc>
+                <a:spcPct val="100000"/>
+              </a:lnSpc>
+              <a:spcBef>
+                <a:spcPts val="0"/>
+              </a:spcBef>
+              <a:spcAft>
+                <a:spcPts val="0"/>
+              </a:spcAft>
+              <a:buClr>
+                <a:srgbClr val="000000"/>
+              </a:buClr>
+              <a:buFont typeface="Arial"/>
+              <a:defRPr sz="1400" b="0" i="0" u="none" strike="noStrike" cap="none">
+                <a:solidFill>
+                  <a:srgbClr val="000000"/>
+                </a:solidFill>
+                <a:latin typeface="Arial"/>
+                <a:ea typeface="Arial"/>
+                <a:cs typeface="Arial"/>
+                <a:sym typeface="Arial"/>
+              </a:defRPr>
+            </a:lvl2pPr>
+            <a:lvl3pPr marR="0" lvl="2" algn="l" rtl="0">
+              <a:lnSpc>
+                <a:spcPct val="100000"/>
+              </a:lnSpc>
+              <a:spcBef>
+                <a:spcPts val="0"/>
+              </a:spcBef>
+              <a:spcAft>
+                <a:spcPts val="0"/>
+              </a:spcAft>
+              <a:buClr>
+                <a:srgbClr val="000000"/>
+              </a:buClr>
+              <a:buFont typeface="Arial"/>
+              <a:defRPr sz="1400" b="0" i="0" u="none" strike="noStrike" cap="none">
+                <a:solidFill>
+                  <a:srgbClr val="000000"/>
+                </a:solidFill>
+                <a:latin typeface="Arial"/>
+                <a:ea typeface="Arial"/>
+                <a:cs typeface="Arial"/>
+                <a:sym typeface="Arial"/>
+              </a:defRPr>
+            </a:lvl3pPr>
+            <a:lvl4pPr marR="0" lvl="3" algn="l" rtl="0">
+              <a:lnSpc>
+                <a:spcPct val="100000"/>
+              </a:lnSpc>
+              <a:spcBef>
+                <a:spcPts val="0"/>
+              </a:spcBef>
+              <a:spcAft>
+                <a:spcPts val="0"/>
+              </a:spcAft>
+              <a:buClr>
+                <a:srgbClr val="000000"/>
+              </a:buClr>
+              <a:buFont typeface="Arial"/>
+              <a:defRPr sz="1400" b="0" i="0" u="none" strike="noStrike" cap="none">
+                <a:solidFill>
+                  <a:srgbClr val="000000"/>
+                </a:solidFill>
+                <a:latin typeface="Arial"/>
+                <a:ea typeface="Arial"/>
+                <a:cs typeface="Arial"/>
+                <a:sym typeface="Arial"/>
+              </a:defRPr>
+            </a:lvl4pPr>
+            <a:lvl5pPr marR="0" lvl="4" algn="l" rtl="0">
+              <a:lnSpc>
+                <a:spcPct val="100000"/>
+              </a:lnSpc>
+              <a:spcBef>
+                <a:spcPts val="0"/>
+              </a:spcBef>
+              <a:spcAft>
+                <a:spcPts val="0"/>
+              </a:spcAft>
+              <a:buClr>
+                <a:srgbClr val="000000"/>
+              </a:buClr>
+              <a:buFont typeface="Arial"/>
+              <a:defRPr sz="1400" b="0" i="0" u="none" strike="noStrike" cap="none">
+                <a:solidFill>
+                  <a:srgbClr val="000000"/>
+                </a:solidFill>
+                <a:latin typeface="Arial"/>
+                <a:ea typeface="Arial"/>
+                <a:cs typeface="Arial"/>
+                <a:sym typeface="Arial"/>
+              </a:defRPr>
+            </a:lvl5pPr>
+            <a:lvl6pPr marR="0" lvl="5" algn="l" rtl="0">
+              <a:lnSpc>
+                <a:spcPct val="100000"/>
+              </a:lnSpc>
+              <a:spcBef>
+                <a:spcPts val="0"/>
+              </a:spcBef>
+              <a:spcAft>
+                <a:spcPts val="0"/>
+              </a:spcAft>
+              <a:buClr>
+                <a:srgbClr val="000000"/>
+              </a:buClr>
+              <a:buFont typeface="Arial"/>
+              <a:defRPr sz="1400" b="0" i="0" u="none" strike="noStrike" cap="none">
+                <a:solidFill>
+                  <a:srgbClr val="000000"/>
+                </a:solidFill>
+                <a:latin typeface="Arial"/>
+                <a:ea typeface="Arial"/>
+                <a:cs typeface="Arial"/>
+                <a:sym typeface="Arial"/>
+              </a:defRPr>
+            </a:lvl6pPr>
+            <a:lvl7pPr marR="0" lvl="6" algn="l" rtl="0">
+              <a:lnSpc>
+                <a:spcPct val="100000"/>
+              </a:lnSpc>
+              <a:spcBef>
+                <a:spcPts val="0"/>
+              </a:spcBef>
+              <a:spcAft>
+                <a:spcPts val="0"/>
+              </a:spcAft>
+              <a:buClr>
+                <a:srgbClr val="000000"/>
+              </a:buClr>
+              <a:buFont typeface="Arial"/>
+              <a:defRPr sz="1400" b="0" i="0" u="none" strike="noStrike" cap="none">
+                <a:solidFill>
+                  <a:srgbClr val="000000"/>
+                </a:solidFill>
+                <a:latin typeface="Arial"/>
+                <a:ea typeface="Arial"/>
+                <a:cs typeface="Arial"/>
+                <a:sym typeface="Arial"/>
+              </a:defRPr>
+            </a:lvl7pPr>
+            <a:lvl8pPr marR="0" lvl="7" algn="l" rtl="0">
+              <a:lnSpc>
+                <a:spcPct val="100000"/>
+              </a:lnSpc>
+              <a:spcBef>
+                <a:spcPts val="0"/>
+              </a:spcBef>
+              <a:spcAft>
+                <a:spcPts val="0"/>
+              </a:spcAft>
+              <a:buClr>
+                <a:srgbClr val="000000"/>
+              </a:buClr>
+              <a:buFont typeface="Arial"/>
+              <a:defRPr sz="1400" b="0" i="0" u="none" strike="noStrike" cap="none">
+                <a:solidFill>
+                  <a:srgbClr val="000000"/>
+                </a:solidFill>
+                <a:latin typeface="Arial"/>
+                <a:ea typeface="Arial"/>
+                <a:cs typeface="Arial"/>
+                <a:sym typeface="Arial"/>
+              </a:defRPr>
+            </a:lvl8pPr>
+            <a:lvl9pPr marR="0" lvl="8" algn="l" rtl="0">
+              <a:lnSpc>
+                <a:spcPct val="100000"/>
+              </a:lnSpc>
+              <a:spcBef>
+                <a:spcPts val="0"/>
+              </a:spcBef>
+              <a:spcAft>
+                <a:spcPts val="0"/>
+              </a:spcAft>
+              <a:buClr>
+                <a:srgbClr val="000000"/>
+              </a:buClr>
+              <a:buFont typeface="Arial"/>
+              <a:defRPr sz="1400" b="0" i="0" u="none" strike="noStrike" cap="none">
+                <a:solidFill>
+                  <a:srgbClr val="000000"/>
+                </a:solidFill>
+                <a:latin typeface="Arial"/>
+                <a:ea typeface="Arial"/>
+                <a:cs typeface="Arial"/>
+                <a:sym typeface="Arial"/>
+              </a:defRPr>
+            </a:lvl9pPr>
+          </a:lstStyle>
+          <a:p>
+            <a:pPr marL="0" lvl="0" indent="0" algn="l" rtl="0">
+              <a:spcBef>
+                <a:spcPts val="0"/>
+              </a:spcBef>
+              <a:spcAft>
+                <a:spcPts val="0"/>
+              </a:spcAft>
+              <a:buNone/>
+            </a:pPr>
+            <a:r>
+              <a:rPr lang="en-GB" sz="2200" b="1"/>
+              <a:t>Mentor </a:t>
+            </a:r>
+            <a:endParaRPr sz="2200" b="1"/>
+          </a:p>
+        </p:txBody>
+      </p:sp>
       <p:sp>
         <p:nvSpPr>
-          <p:cNvPr id="155" name="Rectangle 159">
+          <p:cNvPr id="8" name="Google Shape;109;p21">
             <a:extLst>
               <a:ext uri="{FF2B5EF4-FFF2-40B4-BE49-F238E27FC236}">
-                <a16:creationId xmlns:a16="http://schemas.microsoft.com/office/drawing/2014/main" id="{D28BE0C3-2102-4820-B88B-A448B1840D14}"/>
-              </a:ext>
-              <a:ext uri="{C183D7F6-B498-43B3-948B-1728B52AA6E4}">
-                <adec:decorative xmlns:adec="http://schemas.microsoft.com/office/drawing/2017/decorative" val="1"/>
+                <a16:creationId xmlns:a16="http://schemas.microsoft.com/office/drawing/2014/main" id="{90375F75-4923-4E84-9E2F-EBD069B12D9C}"/>
               </a:ext>
             </a:extLst>
           </p:cNvPr>
-          <p:cNvSpPr>
-            <a:spLocks noGrp="1" noRot="1" noChangeAspect="1" noMove="1" noResize="1" noEditPoints="1" noAdjustHandles="1" noChangeArrowheads="1" noChangeShapeType="1" noTextEdit="1"/>
-          </p:cNvSpPr>
-          <p:nvPr>
-            <p:extLst>
-              <p:ext uri="{386F3935-93C4-4BCD-93E2-E3B085C9AB24}">
-                <p16:designElem xmlns:p16="http://schemas.microsoft.com/office/powerpoint/2015/main" val="1"/>
-              </p:ext>
-            </p:extLst>
-          </p:nvPr>
+          <p:cNvSpPr txBox="1"/>
+          <p:nvPr/>
         </p:nvSpPr>
         <p:spPr>
           <a:xfrm>
-            <a:off x="7828359" y="0"/>
-            <a:ext cx="514350" cy="857250"/>
+            <a:off x="5919913" y="3869881"/>
+            <a:ext cx="1389000" cy="294360"/>
           </a:xfrm>
           <a:prstGeom prst="rect">
             <a:avLst/>
           </a:prstGeom>
-          <a:solidFill>
-            <a:schemeClr val="accent1"/>
-          </a:solidFill>
+          <a:noFill/>
           <a:ln>
             <a:noFill/>
           </a:ln>
         </p:spPr>
-        <p:style>
-          <a:lnRef idx="1">
-            <a:schemeClr val="accent1"/>
-          </a:lnRef>
-          <a:fillRef idx="3">
-            <a:schemeClr val="accent1"/>
-          </a:fillRef>
-          <a:effectRef idx="2">
-            <a:schemeClr val="accent1"/>
-          </a:effectRef>
-          <a:fontRef idx="minor">
-            <a:schemeClr val="lt1"/>
-          </a:fontRef>
-        </p:style>
+        <p:txBody>
+          <a:bodyPr spcFirstLastPara="1" wrap="square" lIns="91425" tIns="91425" rIns="91425" bIns="91425" anchor="t" anchorCtr="0">
+            <a:spAutoFit/>
+          </a:bodyPr>
+          <a:lstStyle>
+            <a:defPPr marR="0" lvl="0" algn="l" rtl="0">
+              <a:lnSpc>
+                <a:spcPct val="100000"/>
+              </a:lnSpc>
+              <a:spcBef>
+                <a:spcPts val="0"/>
+              </a:spcBef>
+              <a:spcAft>
+                <a:spcPts val="0"/>
+              </a:spcAft>
+            </a:defPPr>
+            <a:lvl1pPr marR="0" lvl="0" algn="l" rtl="0">
+              <a:lnSpc>
+                <a:spcPct val="100000"/>
+              </a:lnSpc>
+              <a:spcBef>
+                <a:spcPts val="0"/>
+              </a:spcBef>
+              <a:spcAft>
+                <a:spcPts val="0"/>
+              </a:spcAft>
+              <a:buClr>
+                <a:srgbClr val="000000"/>
+              </a:buClr>
+              <a:buFont typeface="Arial"/>
+              <a:defRPr sz="1400" b="0" i="0" u="none" strike="noStrike" cap="none">
+                <a:solidFill>
+                  <a:srgbClr val="000000"/>
+                </a:solidFill>
+                <a:latin typeface="Arial"/>
+                <a:ea typeface="Arial"/>
+                <a:cs typeface="Arial"/>
+                <a:sym typeface="Arial"/>
+              </a:defRPr>
+            </a:lvl1pPr>
+            <a:lvl2pPr marR="0" lvl="1" algn="l" rtl="0">
+              <a:lnSpc>
+                <a:spcPct val="100000"/>
+              </a:lnSpc>
+              <a:spcBef>
+                <a:spcPts val="0"/>
+              </a:spcBef>
+              <a:spcAft>
+                <a:spcPts val="0"/>
+              </a:spcAft>
+              <a:buClr>
+                <a:srgbClr val="000000"/>
+              </a:buClr>
+              <a:buFont typeface="Arial"/>
+              <a:defRPr sz="1400" b="0" i="0" u="none" strike="noStrike" cap="none">
+                <a:solidFill>
+                  <a:srgbClr val="000000"/>
+                </a:solidFill>
+                <a:latin typeface="Arial"/>
+                <a:ea typeface="Arial"/>
+                <a:cs typeface="Arial"/>
+                <a:sym typeface="Arial"/>
+              </a:defRPr>
+            </a:lvl2pPr>
+            <a:lvl3pPr marR="0" lvl="2" algn="l" rtl="0">
+              <a:lnSpc>
+                <a:spcPct val="100000"/>
+              </a:lnSpc>
+              <a:spcBef>
+                <a:spcPts val="0"/>
+              </a:spcBef>
+              <a:spcAft>
+                <a:spcPts val="0"/>
+              </a:spcAft>
+              <a:buClr>
+                <a:srgbClr val="000000"/>
+              </a:buClr>
+              <a:buFont typeface="Arial"/>
+              <a:defRPr sz="1400" b="0" i="0" u="none" strike="noStrike" cap="none">
+                <a:solidFill>
+                  <a:srgbClr val="000000"/>
+                </a:solidFill>
+                <a:latin typeface="Arial"/>
+                <a:ea typeface="Arial"/>
+                <a:cs typeface="Arial"/>
+                <a:sym typeface="Arial"/>
+              </a:defRPr>
+            </a:lvl3pPr>
+            <a:lvl4pPr marR="0" lvl="3" algn="l" rtl="0">
+              <a:lnSpc>
+                <a:spcPct val="100000"/>
+              </a:lnSpc>
+              <a:spcBef>
+                <a:spcPts val="0"/>
+              </a:spcBef>
+              <a:spcAft>
+                <a:spcPts val="0"/>
+              </a:spcAft>
+              <a:buClr>
+                <a:srgbClr val="000000"/>
+              </a:buClr>
+              <a:buFont typeface="Arial"/>
+              <a:defRPr sz="1400" b="0" i="0" u="none" strike="noStrike" cap="none">
+                <a:solidFill>
+                  <a:srgbClr val="000000"/>
+                </a:solidFill>
+                <a:latin typeface="Arial"/>
+                <a:ea typeface="Arial"/>
+                <a:cs typeface="Arial"/>
+                <a:sym typeface="Arial"/>
+              </a:defRPr>
+            </a:lvl4pPr>
+            <a:lvl5pPr marR="0" lvl="4" algn="l" rtl="0">
+              <a:lnSpc>
+                <a:spcPct val="100000"/>
+              </a:lnSpc>
+              <a:spcBef>
+                <a:spcPts val="0"/>
+              </a:spcBef>
+              <a:spcAft>
+                <a:spcPts val="0"/>
+              </a:spcAft>
+              <a:buClr>
+                <a:srgbClr val="000000"/>
+              </a:buClr>
+              <a:buFont typeface="Arial"/>
+              <a:defRPr sz="1400" b="0" i="0" u="none" strike="noStrike" cap="none">
+                <a:solidFill>
+                  <a:srgbClr val="000000"/>
+                </a:solidFill>
+                <a:latin typeface="Arial"/>
+                <a:ea typeface="Arial"/>
+                <a:cs typeface="Arial"/>
+                <a:sym typeface="Arial"/>
+              </a:defRPr>
+            </a:lvl5pPr>
+            <a:lvl6pPr marR="0" lvl="5" algn="l" rtl="0">
+              <a:lnSpc>
+                <a:spcPct val="100000"/>
+              </a:lnSpc>
+              <a:spcBef>
+                <a:spcPts val="0"/>
+              </a:spcBef>
+              <a:spcAft>
+                <a:spcPts val="0"/>
+              </a:spcAft>
+              <a:buClr>
+                <a:srgbClr val="000000"/>
+              </a:buClr>
+              <a:buFont typeface="Arial"/>
+              <a:defRPr sz="1400" b="0" i="0" u="none" strike="noStrike" cap="none">
+                <a:solidFill>
+                  <a:srgbClr val="000000"/>
+                </a:solidFill>
+                <a:latin typeface="Arial"/>
+                <a:ea typeface="Arial"/>
+                <a:cs typeface="Arial"/>
+                <a:sym typeface="Arial"/>
+              </a:defRPr>
+            </a:lvl6pPr>
+            <a:lvl7pPr marR="0" lvl="6" algn="l" rtl="0">
+              <a:lnSpc>
+                <a:spcPct val="100000"/>
+              </a:lnSpc>
+              <a:spcBef>
+                <a:spcPts val="0"/>
+              </a:spcBef>
+              <a:spcAft>
+                <a:spcPts val="0"/>
+              </a:spcAft>
+              <a:buClr>
+                <a:srgbClr val="000000"/>
+              </a:buClr>
+              <a:buFont typeface="Arial"/>
+              <a:defRPr sz="1400" b="0" i="0" u="none" strike="noStrike" cap="none">
+                <a:solidFill>
+                  <a:srgbClr val="000000"/>
+                </a:solidFill>
+                <a:latin typeface="Arial"/>
+                <a:ea typeface="Arial"/>
+                <a:cs typeface="Arial"/>
+                <a:sym typeface="Arial"/>
+              </a:defRPr>
+            </a:lvl7pPr>
+            <a:lvl8pPr marR="0" lvl="7" algn="l" rtl="0">
+              <a:lnSpc>
+                <a:spcPct val="100000"/>
+              </a:lnSpc>
+              <a:spcBef>
+                <a:spcPts val="0"/>
+              </a:spcBef>
+              <a:spcAft>
+                <a:spcPts val="0"/>
+              </a:spcAft>
+              <a:buClr>
+                <a:srgbClr val="000000"/>
+              </a:buClr>
+              <a:buFont typeface="Arial"/>
+              <a:defRPr sz="1400" b="0" i="0" u="none" strike="noStrike" cap="none">
+                <a:solidFill>
+                  <a:srgbClr val="000000"/>
+                </a:solidFill>
+                <a:latin typeface="Arial"/>
+                <a:ea typeface="Arial"/>
+                <a:cs typeface="Arial"/>
+                <a:sym typeface="Arial"/>
+              </a:defRPr>
+            </a:lvl8pPr>
+            <a:lvl9pPr marR="0" lvl="8" algn="l" rtl="0">
+              <a:lnSpc>
+                <a:spcPct val="100000"/>
+              </a:lnSpc>
+              <a:spcBef>
+                <a:spcPts val="0"/>
+              </a:spcBef>
+              <a:spcAft>
+                <a:spcPts val="0"/>
+              </a:spcAft>
+              <a:buClr>
+                <a:srgbClr val="000000"/>
+              </a:buClr>
+              <a:buFont typeface="Arial"/>
+              <a:defRPr sz="1400" b="0" i="0" u="none" strike="noStrike" cap="none">
+                <a:solidFill>
+                  <a:srgbClr val="000000"/>
+                </a:solidFill>
+                <a:latin typeface="Arial"/>
+                <a:ea typeface="Arial"/>
+                <a:cs typeface="Arial"/>
+                <a:sym typeface="Arial"/>
+              </a:defRPr>
+            </a:lvl9pPr>
+          </a:lstStyle>
+          <a:p>
+            <a:pPr marL="0" lvl="0" indent="0" algn="l" rtl="0">
+              <a:spcBef>
+                <a:spcPts val="0"/>
+              </a:spcBef>
+              <a:spcAft>
+                <a:spcPts val="0"/>
+              </a:spcAft>
+              <a:buNone/>
+            </a:pPr>
+            <a:r>
+              <a:rPr lang="en-GB" sz="2200" b="1"/>
+              <a:t>Teacher</a:t>
+            </a:r>
+            <a:r>
+              <a:rPr lang="en-GB" sz="2200" b="1">
+                <a:solidFill>
+                  <a:schemeClr val="dk1"/>
+                </a:solidFill>
+              </a:rPr>
+              <a:t> </a:t>
+            </a:r>
+            <a:endParaRPr sz="2200" b="1">
+              <a:solidFill>
+                <a:schemeClr val="dk1"/>
+              </a:solidFill>
+            </a:endParaRPr>
+          </a:p>
+        </p:txBody>
       </p:sp>
       <p:sp>
         <p:nvSpPr>
-          <p:cNvPr id="114" name="Google Shape;114;p22"/>
+          <p:cNvPr id="10" name="Google Shape;103;p21">
+            <a:extLst>
+              <a:ext uri="{FF2B5EF4-FFF2-40B4-BE49-F238E27FC236}">
+                <a16:creationId xmlns:a16="http://schemas.microsoft.com/office/drawing/2014/main" id="{EAB2EFEB-FAA3-4617-B097-68A1E26BE102}"/>
+              </a:ext>
+            </a:extLst>
+          </p:cNvPr>
           <p:cNvSpPr txBox="1">
             <a:spLocks noGrp="1"/>
           </p:cNvSpPr>
-          <p:nvPr>
-            <p:ph type="title"/>
-          </p:nvPr>
+          <p:nvPr/>
         </p:nvSpPr>
         <p:spPr>
           <a:xfrm>
-            <a:off x="486697" y="471949"/>
-            <a:ext cx="6939116" cy="917987"/>
+            <a:off x="137087" y="1157044"/>
+            <a:ext cx="8812800" cy="694800"/>
           </a:xfrm>
           <a:prstGeom prst="rect">
             <a:avLst/>
           </a:prstGeom>
         </p:spPr>
         <p:txBody>
-          <a:bodyPr spcFirstLastPara="1" vert="horz" lIns="91440" tIns="45720" rIns="91440" bIns="45720" rtlCol="0" anchor="t" anchorCtr="0">
-            <a:normAutofit/>
+          <a:bodyPr spcFirstLastPara="1" vert="horz" wrap="square" lIns="91425" tIns="91425" rIns="91425" bIns="91425" rtlCol="0" anchor="b" anchorCtr="0">
+            <a:normAutofit fontScale="82500" lnSpcReduction="10000"/>
           </a:bodyPr>
-          <a:lstStyle/>
-          <a:p>
-            <a:pPr>
-              <a:lnSpc>
-                <a:spcPct val="90000"/>
-              </a:lnSpc>
+          <a:lstStyle>
+            <a:lvl1pPr algn="l" defTabSz="457200" rtl="0" eaLnBrk="1" latinLnBrk="0" hangingPunct="1">
               <a:spcBef>
                 <a:spcPct val="0"/>
               </a:spcBef>
+              <a:buNone/>
+              <a:defRPr sz="12800" b="0" i="0" kern="1200">
+                <a:solidFill>
+                  <a:schemeClr val="tx2"/>
+                </a:solidFill>
+                <a:latin typeface="+mj-lt"/>
+                <a:ea typeface="+mj-ea"/>
+                <a:cs typeface="+mj-cs"/>
+              </a:defRPr>
+            </a:lvl1pPr>
+            <a:lvl2pPr eaLnBrk="1" hangingPunct="1">
+              <a:defRPr>
+                <a:solidFill>
+                  <a:schemeClr val="tx2"/>
+                </a:solidFill>
+              </a:defRPr>
+            </a:lvl2pPr>
+            <a:lvl3pPr eaLnBrk="1" hangingPunct="1">
+              <a:defRPr>
+                <a:solidFill>
+                  <a:schemeClr val="tx2"/>
+                </a:solidFill>
+              </a:defRPr>
+            </a:lvl3pPr>
+            <a:lvl4pPr eaLnBrk="1" hangingPunct="1">
+              <a:defRPr>
+                <a:solidFill>
+                  <a:schemeClr val="tx2"/>
+                </a:solidFill>
+              </a:defRPr>
+            </a:lvl4pPr>
+            <a:lvl5pPr eaLnBrk="1" hangingPunct="1">
+              <a:defRPr>
+                <a:solidFill>
+                  <a:schemeClr val="tx2"/>
+                </a:solidFill>
+              </a:defRPr>
+            </a:lvl5pPr>
+            <a:lvl6pPr eaLnBrk="1" hangingPunct="1">
+              <a:defRPr>
+                <a:solidFill>
+                  <a:schemeClr val="tx2"/>
+                </a:solidFill>
+              </a:defRPr>
+            </a:lvl6pPr>
+            <a:lvl7pPr eaLnBrk="1" hangingPunct="1">
+              <a:defRPr>
+                <a:solidFill>
+                  <a:schemeClr val="tx2"/>
+                </a:solidFill>
+              </a:defRPr>
+            </a:lvl7pPr>
+            <a:lvl8pPr eaLnBrk="1" hangingPunct="1">
+              <a:defRPr>
+                <a:solidFill>
+                  <a:schemeClr val="tx2"/>
+                </a:solidFill>
+              </a:defRPr>
+            </a:lvl8pPr>
+            <a:lvl9pPr eaLnBrk="1" hangingPunct="1">
+              <a:defRPr>
+                <a:solidFill>
+                  <a:schemeClr val="tx2"/>
+                </a:solidFill>
+              </a:defRPr>
+            </a:lvl9pPr>
+          </a:lstStyle>
+          <a:p>
+            <a:pPr marL="0" lvl="0" indent="0" algn="ctr" rtl="0">
+              <a:spcBef>
+                <a:spcPts val="0"/>
+              </a:spcBef>
+              <a:spcAft>
+                <a:spcPts val="0"/>
+              </a:spcAft>
+              <a:buNone/>
             </a:pPr>
             <a:r>
-              <a:rPr lang="en-US" sz="3200"/>
-              <a:t>Product Links</a:t>
+              <a:rPr lang="en-GB" sz="3600">
+                <a:solidFill>
+                  <a:schemeClr val="bg2">
+                    <a:lumMod val="40000"/>
+                    <a:lumOff val="60000"/>
+                  </a:schemeClr>
+                </a:solidFill>
+              </a:rPr>
+              <a:t>Add names &amp; pictures of your Team (Optional)</a:t>
             </a:r>
+            <a:endParaRPr lang="en-US" sz="3600">
+              <a:solidFill>
+                <a:schemeClr val="bg2">
+                  <a:lumMod val="40000"/>
+                  <a:lumOff val="60000"/>
+                </a:schemeClr>
+              </a:solidFill>
+            </a:endParaRPr>
           </a:p>
         </p:txBody>
       </p:sp>
-      <p:graphicFrame>
-        <p:nvGraphicFramePr>
-          <p:cNvPr id="145" name="Google Shape;115;p22">
-            <a:extLst>
-              <a:ext uri="{FF2B5EF4-FFF2-40B4-BE49-F238E27FC236}">
-                <a16:creationId xmlns:a16="http://schemas.microsoft.com/office/drawing/2014/main" id="{833CF49C-AAB3-4AE7-B472-AE9F78C9C47A}"/>
-              </a:ext>
-            </a:extLst>
-          </p:cNvPr>
-          <p:cNvGraphicFramePr/>
-          <p:nvPr>
-            <p:extLst>
-              <p:ext uri="{D42A27DB-BD31-4B8C-83A1-F6EECF244321}">
-                <p14:modId xmlns:p14="http://schemas.microsoft.com/office/powerpoint/2010/main" val="1059074246"/>
-              </p:ext>
-            </p:extLst>
-          </p:nvPr>
-        </p:nvGraphicFramePr>
-        <p:xfrm>
-          <a:off x="1821692" y="1610577"/>
-          <a:ext cx="5499397" cy="2497331"/>
-        </p:xfrm>
-        <a:graphic>
-          <a:graphicData uri="http://schemas.openxmlformats.org/drawingml/2006/diagram">
-            <dgm:relIds xmlns:dgm="http://schemas.openxmlformats.org/drawingml/2006/diagram" xmlns:r="http://schemas.openxmlformats.org/officeDocument/2006/relationships" r:dm="rId8" r:lo="rId9" r:qs="rId10" r:cs="rId11"/>
-          </a:graphicData>
-        </a:graphic>
-      </p:graphicFrame>
     </p:spTree>
+    <p:extLst>
+      <p:ext uri="{BB962C8B-B14F-4D97-AF65-F5344CB8AC3E}">
+        <p14:creationId xmlns:p14="http://schemas.microsoft.com/office/powerpoint/2010/main" val="3044680289"/>
+      </p:ext>
+    </p:extLst>
   </p:cSld>
   <p:clrMapOvr>
     <a:masterClrMapping/>
